--- a/docs/COVID19 데이터 분석 (1).pptx
+++ b/docs/COVID19 데이터 분석 (1).pptx
@@ -16,6 +16,22 @@
     <p:sldId id="261" r:id="rId11"/>
     <p:sldId id="262" r:id="rId12"/>
     <p:sldId id="263" r:id="rId13"/>
+    <p:sldId id="264" r:id="rId14"/>
+    <p:sldId id="265" r:id="rId15"/>
+    <p:sldId id="266" r:id="rId16"/>
+    <p:sldId id="267" r:id="rId17"/>
+    <p:sldId id="268" r:id="rId18"/>
+    <p:sldId id="269" r:id="rId19"/>
+    <p:sldId id="270" r:id="rId20"/>
+    <p:sldId id="271" r:id="rId21"/>
+    <p:sldId id="272" r:id="rId22"/>
+    <p:sldId id="273" r:id="rId23"/>
+    <p:sldId id="274" r:id="rId24"/>
+    <p:sldId id="275" r:id="rId25"/>
+    <p:sldId id="276" r:id="rId26"/>
+    <p:sldId id="277" r:id="rId27"/>
+    <p:sldId id="278" r:id="rId28"/>
+    <p:sldId id="279" r:id="rId29"/>
   </p:sldIdLst>
   <p:sldSz cy="5143500" cx="9144000"/>
   <p:notesSz cx="6858000" cy="9144000"/>
@@ -792,12 +808,12 @@
 </p:notes>
 </file>
 
-<file path=ppt/notesSlides/notesSlide2.xml><?xml version="1.0" encoding="utf-8"?>
+<file path=ppt/notesSlides/notesSlide10.xml><?xml version="1.0" encoding="utf-8"?>
 <p:notes xmlns:a="http://schemas.openxmlformats.org/drawingml/2006/main" xmlns:r="http://schemas.openxmlformats.org/officeDocument/2006/relationships" xmlns:mc="http://schemas.openxmlformats.org/markup-compatibility/2006" xmlns:mv="urn:schemas-microsoft-com:mac:vml" xmlns:p="http://schemas.openxmlformats.org/presentationml/2006/main" xmlns:c="http://schemas.openxmlformats.org/drawingml/2006/chart" xmlns:dgm="http://schemas.openxmlformats.org/drawingml/2006/diagram" xmlns:o="urn:schemas-microsoft-com:office:office" xmlns:v="urn:schemas-microsoft-com:vml" xmlns:pvml="urn:schemas-microsoft-com:office:powerpoint" xmlns:com="http://schemas.openxmlformats.org/drawingml/2006/compatibility" xmlns:p14="http://schemas.microsoft.com/office/powerpoint/2010/main" xmlns:p15="http://schemas.microsoft.com/office/powerpoint/2012/main" xmlns:ahyp="http://schemas.microsoft.com/office/drawing/2018/hyperlinkcolor" showMasterPhAnim="0" showMasterSp="0">
   <p:cSld>
     <p:spTree>
       <p:nvGrpSpPr>
-        <p:cNvPr id="56" name="Shape 56"/>
+        <p:cNvPr id="109" name="Shape 109"/>
         <p:cNvGrpSpPr/>
         <p:nvPr/>
       </p:nvGrpSpPr>
@@ -811,7 +827,7 @@
       </p:grpSpPr>
       <p:sp>
         <p:nvSpPr>
-          <p:cNvPr id="57" name="Google Shape;57;geaf493c92b_0_0:notes"/>
+          <p:cNvPr id="110" name="Google Shape;110;geb1acc5fd5_0_4:notes"/>
           <p:cNvSpPr/>
           <p:nvPr>
             <p:ph idx="2" type="sldImg"/>
@@ -846,7 +862,1492 @@
       </p:sp>
       <p:sp>
         <p:nvSpPr>
+          <p:cNvPr id="111" name="Google Shape;111;geb1acc5fd5_0_4:notes"/>
+          <p:cNvSpPr txBox="1"/>
+          <p:nvPr>
+            <p:ph idx="1" type="body"/>
+          </p:nvPr>
+        </p:nvSpPr>
+        <p:spPr>
+          <a:xfrm>
+            <a:off x="685800" y="4343400"/>
+            <a:ext cx="5486400" cy="4114800"/>
+          </a:xfrm>
+          <a:prstGeom prst="rect">
+            <a:avLst/>
+          </a:prstGeom>
+        </p:spPr>
+        <p:txBody>
+          <a:bodyPr anchorCtr="0" anchor="t" bIns="91425" lIns="91425" spcFirstLastPara="1" rIns="91425" wrap="square" tIns="91425">
+            <a:noAutofit/>
+          </a:bodyPr>
+          <a:lstStyle/>
+          <a:p>
+            <a:pPr indent="0" lvl="0" marL="0" rtl="0" algn="l">
+              <a:spcBef>
+                <a:spcPts val="0"/>
+              </a:spcBef>
+              <a:spcAft>
+                <a:spcPts val="0"/>
+              </a:spcAft>
+              <a:buNone/>
+            </a:pPr>
+            <a:r>
+              <a:t/>
+            </a:r>
+            <a:endParaRPr/>
+          </a:p>
+        </p:txBody>
+      </p:sp>
+    </p:spTree>
+  </p:cSld>
+  <p:clrMapOvr>
+    <a:masterClrMapping/>
+  </p:clrMapOvr>
+</p:notes>
+</file>
+
+<file path=ppt/notesSlides/notesSlide11.xml><?xml version="1.0" encoding="utf-8"?>
+<p:notes xmlns:a="http://schemas.openxmlformats.org/drawingml/2006/main" xmlns:r="http://schemas.openxmlformats.org/officeDocument/2006/relationships" xmlns:mc="http://schemas.openxmlformats.org/markup-compatibility/2006" xmlns:mv="urn:schemas-microsoft-com:mac:vml" xmlns:p="http://schemas.openxmlformats.org/presentationml/2006/main" xmlns:c="http://schemas.openxmlformats.org/drawingml/2006/chart" xmlns:dgm="http://schemas.openxmlformats.org/drawingml/2006/diagram" xmlns:o="urn:schemas-microsoft-com:office:office" xmlns:v="urn:schemas-microsoft-com:vml" xmlns:pvml="urn:schemas-microsoft-com:office:powerpoint" xmlns:com="http://schemas.openxmlformats.org/drawingml/2006/compatibility" xmlns:p14="http://schemas.microsoft.com/office/powerpoint/2010/main" xmlns:p15="http://schemas.microsoft.com/office/powerpoint/2012/main" xmlns:ahyp="http://schemas.microsoft.com/office/drawing/2018/hyperlinkcolor" showMasterPhAnim="0" showMasterSp="0">
+  <p:cSld>
+    <p:spTree>
+      <p:nvGrpSpPr>
+        <p:cNvPr id="118" name="Shape 118"/>
+        <p:cNvGrpSpPr/>
+        <p:nvPr/>
+      </p:nvGrpSpPr>
+      <p:grpSpPr>
+        <a:xfrm>
+          <a:off x="0" y="0"/>
+          <a:ext cx="0" cy="0"/>
+          <a:chOff x="0" y="0"/>
+          <a:chExt cx="0" cy="0"/>
+        </a:xfrm>
+      </p:grpSpPr>
+      <p:sp>
+        <p:nvSpPr>
+          <p:cNvPr id="119" name="Google Shape;119;geb1acc5fd5_0_81:notes"/>
+          <p:cNvSpPr/>
+          <p:nvPr>
+            <p:ph idx="2" type="sldImg"/>
+          </p:nvPr>
+        </p:nvSpPr>
+        <p:spPr>
+          <a:xfrm>
+            <a:off x="381300" y="685800"/>
+            <a:ext cx="6096000" cy="3429000"/>
+          </a:xfrm>
+          <a:custGeom>
+            <a:rect b="b" l="l" r="r" t="t"/>
+            <a:pathLst>
+              <a:path extrusionOk="0" h="120000" w="120000">
+                <a:moveTo>
+                  <a:pt x="0" y="0"/>
+                </a:moveTo>
+                <a:lnTo>
+                  <a:pt x="120000" y="0"/>
+                </a:lnTo>
+                <a:lnTo>
+                  <a:pt x="120000" y="120000"/>
+                </a:lnTo>
+                <a:lnTo>
+                  <a:pt x="0" y="120000"/>
+                </a:lnTo>
+                <a:close/>
+              </a:path>
+            </a:pathLst>
+          </a:custGeom>
+        </p:spPr>
+      </p:sp>
+      <p:sp>
+        <p:nvSpPr>
+          <p:cNvPr id="120" name="Google Shape;120;geb1acc5fd5_0_81:notes"/>
+          <p:cNvSpPr txBox="1"/>
+          <p:nvPr>
+            <p:ph idx="1" type="body"/>
+          </p:nvPr>
+        </p:nvSpPr>
+        <p:spPr>
+          <a:xfrm>
+            <a:off x="685800" y="4343400"/>
+            <a:ext cx="5486400" cy="4114800"/>
+          </a:xfrm>
+          <a:prstGeom prst="rect">
+            <a:avLst/>
+          </a:prstGeom>
+        </p:spPr>
+        <p:txBody>
+          <a:bodyPr anchorCtr="0" anchor="t" bIns="91425" lIns="91425" spcFirstLastPara="1" rIns="91425" wrap="square" tIns="91425">
+            <a:noAutofit/>
+          </a:bodyPr>
+          <a:lstStyle/>
+          <a:p>
+            <a:pPr indent="0" lvl="0" marL="0" rtl="0" algn="l">
+              <a:spcBef>
+                <a:spcPts val="0"/>
+              </a:spcBef>
+              <a:spcAft>
+                <a:spcPts val="0"/>
+              </a:spcAft>
+              <a:buNone/>
+            </a:pPr>
+            <a:r>
+              <a:t/>
+            </a:r>
+            <a:endParaRPr/>
+          </a:p>
+        </p:txBody>
+      </p:sp>
+    </p:spTree>
+  </p:cSld>
+  <p:clrMapOvr>
+    <a:masterClrMapping/>
+  </p:clrMapOvr>
+</p:notes>
+</file>
+
+<file path=ppt/notesSlides/notesSlide12.xml><?xml version="1.0" encoding="utf-8"?>
+<p:notes xmlns:a="http://schemas.openxmlformats.org/drawingml/2006/main" xmlns:r="http://schemas.openxmlformats.org/officeDocument/2006/relationships" xmlns:mc="http://schemas.openxmlformats.org/markup-compatibility/2006" xmlns:mv="urn:schemas-microsoft-com:mac:vml" xmlns:p="http://schemas.openxmlformats.org/presentationml/2006/main" xmlns:c="http://schemas.openxmlformats.org/drawingml/2006/chart" xmlns:dgm="http://schemas.openxmlformats.org/drawingml/2006/diagram" xmlns:o="urn:schemas-microsoft-com:office:office" xmlns:v="urn:schemas-microsoft-com:vml" xmlns:pvml="urn:schemas-microsoft-com:office:powerpoint" xmlns:com="http://schemas.openxmlformats.org/drawingml/2006/compatibility" xmlns:p14="http://schemas.microsoft.com/office/powerpoint/2010/main" xmlns:p15="http://schemas.microsoft.com/office/powerpoint/2012/main" xmlns:ahyp="http://schemas.microsoft.com/office/drawing/2018/hyperlinkcolor" showMasterPhAnim="0" showMasterSp="0">
+  <p:cSld>
+    <p:spTree>
+      <p:nvGrpSpPr>
+        <p:cNvPr id="124" name="Shape 124"/>
+        <p:cNvGrpSpPr/>
+        <p:nvPr/>
+      </p:nvGrpSpPr>
+      <p:grpSpPr>
+        <a:xfrm>
+          <a:off x="0" y="0"/>
+          <a:ext cx="0" cy="0"/>
+          <a:chOff x="0" y="0"/>
+          <a:chExt cx="0" cy="0"/>
+        </a:xfrm>
+      </p:grpSpPr>
+      <p:sp>
+        <p:nvSpPr>
+          <p:cNvPr id="125" name="Google Shape;125;geb1acc5fd5_0_86:notes"/>
+          <p:cNvSpPr/>
+          <p:nvPr>
+            <p:ph idx="2" type="sldImg"/>
+          </p:nvPr>
+        </p:nvSpPr>
+        <p:spPr>
+          <a:xfrm>
+            <a:off x="381300" y="685800"/>
+            <a:ext cx="6096000" cy="3429000"/>
+          </a:xfrm>
+          <a:custGeom>
+            <a:rect b="b" l="l" r="r" t="t"/>
+            <a:pathLst>
+              <a:path extrusionOk="0" h="120000" w="120000">
+                <a:moveTo>
+                  <a:pt x="0" y="0"/>
+                </a:moveTo>
+                <a:lnTo>
+                  <a:pt x="120000" y="0"/>
+                </a:lnTo>
+                <a:lnTo>
+                  <a:pt x="120000" y="120000"/>
+                </a:lnTo>
+                <a:lnTo>
+                  <a:pt x="0" y="120000"/>
+                </a:lnTo>
+                <a:close/>
+              </a:path>
+            </a:pathLst>
+          </a:custGeom>
+        </p:spPr>
+      </p:sp>
+      <p:sp>
+        <p:nvSpPr>
+          <p:cNvPr id="126" name="Google Shape;126;geb1acc5fd5_0_86:notes"/>
+          <p:cNvSpPr txBox="1"/>
+          <p:nvPr>
+            <p:ph idx="1" type="body"/>
+          </p:nvPr>
+        </p:nvSpPr>
+        <p:spPr>
+          <a:xfrm>
+            <a:off x="685800" y="4343400"/>
+            <a:ext cx="5486400" cy="4114800"/>
+          </a:xfrm>
+          <a:prstGeom prst="rect">
+            <a:avLst/>
+          </a:prstGeom>
+        </p:spPr>
+        <p:txBody>
+          <a:bodyPr anchorCtr="0" anchor="t" bIns="91425" lIns="91425" spcFirstLastPara="1" rIns="91425" wrap="square" tIns="91425">
+            <a:noAutofit/>
+          </a:bodyPr>
+          <a:lstStyle/>
+          <a:p>
+            <a:pPr indent="0" lvl="0" marL="0" rtl="0" algn="l">
+              <a:spcBef>
+                <a:spcPts val="0"/>
+              </a:spcBef>
+              <a:spcAft>
+                <a:spcPts val="0"/>
+              </a:spcAft>
+              <a:buNone/>
+            </a:pPr>
+            <a:r>
+              <a:t/>
+            </a:r>
+            <a:endParaRPr/>
+          </a:p>
+        </p:txBody>
+      </p:sp>
+    </p:spTree>
+  </p:cSld>
+  <p:clrMapOvr>
+    <a:masterClrMapping/>
+  </p:clrMapOvr>
+</p:notes>
+</file>
+
+<file path=ppt/notesSlides/notesSlide13.xml><?xml version="1.0" encoding="utf-8"?>
+<p:notes xmlns:a="http://schemas.openxmlformats.org/drawingml/2006/main" xmlns:r="http://schemas.openxmlformats.org/officeDocument/2006/relationships" xmlns:mc="http://schemas.openxmlformats.org/markup-compatibility/2006" xmlns:mv="urn:schemas-microsoft-com:mac:vml" xmlns:p="http://schemas.openxmlformats.org/presentationml/2006/main" xmlns:c="http://schemas.openxmlformats.org/drawingml/2006/chart" xmlns:dgm="http://schemas.openxmlformats.org/drawingml/2006/diagram" xmlns:o="urn:schemas-microsoft-com:office:office" xmlns:v="urn:schemas-microsoft-com:vml" xmlns:pvml="urn:schemas-microsoft-com:office:powerpoint" xmlns:com="http://schemas.openxmlformats.org/drawingml/2006/compatibility" xmlns:p14="http://schemas.microsoft.com/office/powerpoint/2010/main" xmlns:p15="http://schemas.microsoft.com/office/powerpoint/2012/main" xmlns:ahyp="http://schemas.microsoft.com/office/drawing/2018/hyperlinkcolor" showMasterPhAnim="0" showMasterSp="0">
+  <p:cSld>
+    <p:spTree>
+      <p:nvGrpSpPr>
+        <p:cNvPr id="131" name="Shape 131"/>
+        <p:cNvGrpSpPr/>
+        <p:nvPr/>
+      </p:nvGrpSpPr>
+      <p:grpSpPr>
+        <a:xfrm>
+          <a:off x="0" y="0"/>
+          <a:ext cx="0" cy="0"/>
+          <a:chOff x="0" y="0"/>
+          <a:chExt cx="0" cy="0"/>
+        </a:xfrm>
+      </p:grpSpPr>
+      <p:sp>
+        <p:nvSpPr>
+          <p:cNvPr id="132" name="Google Shape;132;geb1acc5fd5_0_8:notes"/>
+          <p:cNvSpPr/>
+          <p:nvPr>
+            <p:ph idx="2" type="sldImg"/>
+          </p:nvPr>
+        </p:nvSpPr>
+        <p:spPr>
+          <a:xfrm>
+            <a:off x="381300" y="685800"/>
+            <a:ext cx="6096000" cy="3429000"/>
+          </a:xfrm>
+          <a:custGeom>
+            <a:rect b="b" l="l" r="r" t="t"/>
+            <a:pathLst>
+              <a:path extrusionOk="0" h="120000" w="120000">
+                <a:moveTo>
+                  <a:pt x="0" y="0"/>
+                </a:moveTo>
+                <a:lnTo>
+                  <a:pt x="120000" y="0"/>
+                </a:lnTo>
+                <a:lnTo>
+                  <a:pt x="120000" y="120000"/>
+                </a:lnTo>
+                <a:lnTo>
+                  <a:pt x="0" y="120000"/>
+                </a:lnTo>
+                <a:close/>
+              </a:path>
+            </a:pathLst>
+          </a:custGeom>
+        </p:spPr>
+      </p:sp>
+      <p:sp>
+        <p:nvSpPr>
+          <p:cNvPr id="133" name="Google Shape;133;geb1acc5fd5_0_8:notes"/>
+          <p:cNvSpPr txBox="1"/>
+          <p:nvPr>
+            <p:ph idx="1" type="body"/>
+          </p:nvPr>
+        </p:nvSpPr>
+        <p:spPr>
+          <a:xfrm>
+            <a:off x="685800" y="4343400"/>
+            <a:ext cx="5486400" cy="4114800"/>
+          </a:xfrm>
+          <a:prstGeom prst="rect">
+            <a:avLst/>
+          </a:prstGeom>
+        </p:spPr>
+        <p:txBody>
+          <a:bodyPr anchorCtr="0" anchor="t" bIns="91425" lIns="91425" spcFirstLastPara="1" rIns="91425" wrap="square" tIns="91425">
+            <a:noAutofit/>
+          </a:bodyPr>
+          <a:lstStyle/>
+          <a:p>
+            <a:pPr indent="0" lvl="0" marL="0" rtl="0" algn="l">
+              <a:spcBef>
+                <a:spcPts val="0"/>
+              </a:spcBef>
+              <a:spcAft>
+                <a:spcPts val="0"/>
+              </a:spcAft>
+              <a:buNone/>
+            </a:pPr>
+            <a:r>
+              <a:t/>
+            </a:r>
+            <a:endParaRPr/>
+          </a:p>
+        </p:txBody>
+      </p:sp>
+    </p:spTree>
+  </p:cSld>
+  <p:clrMapOvr>
+    <a:masterClrMapping/>
+  </p:clrMapOvr>
+</p:notes>
+</file>
+
+<file path=ppt/notesSlides/notesSlide14.xml><?xml version="1.0" encoding="utf-8"?>
+<p:notes xmlns:a="http://schemas.openxmlformats.org/drawingml/2006/main" xmlns:r="http://schemas.openxmlformats.org/officeDocument/2006/relationships" xmlns:mc="http://schemas.openxmlformats.org/markup-compatibility/2006" xmlns:mv="urn:schemas-microsoft-com:mac:vml" xmlns:p="http://schemas.openxmlformats.org/presentationml/2006/main" xmlns:c="http://schemas.openxmlformats.org/drawingml/2006/chart" xmlns:dgm="http://schemas.openxmlformats.org/drawingml/2006/diagram" xmlns:o="urn:schemas-microsoft-com:office:office" xmlns:v="urn:schemas-microsoft-com:vml" xmlns:pvml="urn:schemas-microsoft-com:office:powerpoint" xmlns:com="http://schemas.openxmlformats.org/drawingml/2006/compatibility" xmlns:p14="http://schemas.microsoft.com/office/powerpoint/2010/main" xmlns:p15="http://schemas.microsoft.com/office/powerpoint/2012/main" xmlns:ahyp="http://schemas.microsoft.com/office/drawing/2018/hyperlinkcolor" showMasterPhAnim="0" showMasterSp="0">
+  <p:cSld>
+    <p:spTree>
+      <p:nvGrpSpPr>
+        <p:cNvPr id="140" name="Shape 140"/>
+        <p:cNvGrpSpPr/>
+        <p:nvPr/>
+      </p:nvGrpSpPr>
+      <p:grpSpPr>
+        <a:xfrm>
+          <a:off x="0" y="0"/>
+          <a:ext cx="0" cy="0"/>
+          <a:chOff x="0" y="0"/>
+          <a:chExt cx="0" cy="0"/>
+        </a:xfrm>
+      </p:grpSpPr>
+      <p:sp>
+        <p:nvSpPr>
+          <p:cNvPr id="141" name="Google Shape;141;geb1acc5fd5_0_12:notes"/>
+          <p:cNvSpPr/>
+          <p:nvPr>
+            <p:ph idx="2" type="sldImg"/>
+          </p:nvPr>
+        </p:nvSpPr>
+        <p:spPr>
+          <a:xfrm>
+            <a:off x="381300" y="685800"/>
+            <a:ext cx="6096000" cy="3429000"/>
+          </a:xfrm>
+          <a:custGeom>
+            <a:rect b="b" l="l" r="r" t="t"/>
+            <a:pathLst>
+              <a:path extrusionOk="0" h="120000" w="120000">
+                <a:moveTo>
+                  <a:pt x="0" y="0"/>
+                </a:moveTo>
+                <a:lnTo>
+                  <a:pt x="120000" y="0"/>
+                </a:lnTo>
+                <a:lnTo>
+                  <a:pt x="120000" y="120000"/>
+                </a:lnTo>
+                <a:lnTo>
+                  <a:pt x="0" y="120000"/>
+                </a:lnTo>
+                <a:close/>
+              </a:path>
+            </a:pathLst>
+          </a:custGeom>
+        </p:spPr>
+      </p:sp>
+      <p:sp>
+        <p:nvSpPr>
+          <p:cNvPr id="142" name="Google Shape;142;geb1acc5fd5_0_12:notes"/>
+          <p:cNvSpPr txBox="1"/>
+          <p:nvPr>
+            <p:ph idx="1" type="body"/>
+          </p:nvPr>
+        </p:nvSpPr>
+        <p:spPr>
+          <a:xfrm>
+            <a:off x="685800" y="4343400"/>
+            <a:ext cx="5486400" cy="4114800"/>
+          </a:xfrm>
+          <a:prstGeom prst="rect">
+            <a:avLst/>
+          </a:prstGeom>
+        </p:spPr>
+        <p:txBody>
+          <a:bodyPr anchorCtr="0" anchor="t" bIns="91425" lIns="91425" spcFirstLastPara="1" rIns="91425" wrap="square" tIns="91425">
+            <a:noAutofit/>
+          </a:bodyPr>
+          <a:lstStyle/>
+          <a:p>
+            <a:pPr indent="0" lvl="0" marL="0" rtl="0" algn="l">
+              <a:spcBef>
+                <a:spcPts val="0"/>
+              </a:spcBef>
+              <a:spcAft>
+                <a:spcPts val="0"/>
+              </a:spcAft>
+              <a:buNone/>
+            </a:pPr>
+            <a:r>
+              <a:t/>
+            </a:r>
+            <a:endParaRPr/>
+          </a:p>
+        </p:txBody>
+      </p:sp>
+    </p:spTree>
+  </p:cSld>
+  <p:clrMapOvr>
+    <a:masterClrMapping/>
+  </p:clrMapOvr>
+</p:notes>
+</file>
+
+<file path=ppt/notesSlides/notesSlide15.xml><?xml version="1.0" encoding="utf-8"?>
+<p:notes xmlns:a="http://schemas.openxmlformats.org/drawingml/2006/main" xmlns:r="http://schemas.openxmlformats.org/officeDocument/2006/relationships" xmlns:mc="http://schemas.openxmlformats.org/markup-compatibility/2006" xmlns:mv="urn:schemas-microsoft-com:mac:vml" xmlns:p="http://schemas.openxmlformats.org/presentationml/2006/main" xmlns:c="http://schemas.openxmlformats.org/drawingml/2006/chart" xmlns:dgm="http://schemas.openxmlformats.org/drawingml/2006/diagram" xmlns:o="urn:schemas-microsoft-com:office:office" xmlns:v="urn:schemas-microsoft-com:vml" xmlns:pvml="urn:schemas-microsoft-com:office:powerpoint" xmlns:com="http://schemas.openxmlformats.org/drawingml/2006/compatibility" xmlns:p14="http://schemas.microsoft.com/office/powerpoint/2010/main" xmlns:p15="http://schemas.microsoft.com/office/powerpoint/2012/main" xmlns:ahyp="http://schemas.microsoft.com/office/drawing/2018/hyperlinkcolor" showMasterPhAnim="0" showMasterSp="0">
+  <p:cSld>
+    <p:spTree>
+      <p:nvGrpSpPr>
+        <p:cNvPr id="149" name="Shape 149"/>
+        <p:cNvGrpSpPr/>
+        <p:nvPr/>
+      </p:nvGrpSpPr>
+      <p:grpSpPr>
+        <a:xfrm>
+          <a:off x="0" y="0"/>
+          <a:ext cx="0" cy="0"/>
+          <a:chOff x="0" y="0"/>
+          <a:chExt cx="0" cy="0"/>
+        </a:xfrm>
+      </p:grpSpPr>
+      <p:sp>
+        <p:nvSpPr>
+          <p:cNvPr id="150" name="Google Shape;150;geb1acc5fd5_0_119:notes"/>
+          <p:cNvSpPr/>
+          <p:nvPr>
+            <p:ph idx="2" type="sldImg"/>
+          </p:nvPr>
+        </p:nvSpPr>
+        <p:spPr>
+          <a:xfrm>
+            <a:off x="381300" y="685800"/>
+            <a:ext cx="6096000" cy="3429000"/>
+          </a:xfrm>
+          <a:custGeom>
+            <a:rect b="b" l="l" r="r" t="t"/>
+            <a:pathLst>
+              <a:path extrusionOk="0" h="120000" w="120000">
+                <a:moveTo>
+                  <a:pt x="0" y="0"/>
+                </a:moveTo>
+                <a:lnTo>
+                  <a:pt x="120000" y="0"/>
+                </a:lnTo>
+                <a:lnTo>
+                  <a:pt x="120000" y="120000"/>
+                </a:lnTo>
+                <a:lnTo>
+                  <a:pt x="0" y="120000"/>
+                </a:lnTo>
+                <a:close/>
+              </a:path>
+            </a:pathLst>
+          </a:custGeom>
+        </p:spPr>
+      </p:sp>
+      <p:sp>
+        <p:nvSpPr>
+          <p:cNvPr id="151" name="Google Shape;151;geb1acc5fd5_0_119:notes"/>
+          <p:cNvSpPr txBox="1"/>
+          <p:nvPr>
+            <p:ph idx="1" type="body"/>
+          </p:nvPr>
+        </p:nvSpPr>
+        <p:spPr>
+          <a:xfrm>
+            <a:off x="685800" y="4343400"/>
+            <a:ext cx="5486400" cy="4114800"/>
+          </a:xfrm>
+          <a:prstGeom prst="rect">
+            <a:avLst/>
+          </a:prstGeom>
+        </p:spPr>
+        <p:txBody>
+          <a:bodyPr anchorCtr="0" anchor="t" bIns="91425" lIns="91425" spcFirstLastPara="1" rIns="91425" wrap="square" tIns="91425">
+            <a:noAutofit/>
+          </a:bodyPr>
+          <a:lstStyle/>
+          <a:p>
+            <a:pPr indent="0" lvl="0" marL="0" rtl="0" algn="l">
+              <a:spcBef>
+                <a:spcPts val="0"/>
+              </a:spcBef>
+              <a:spcAft>
+                <a:spcPts val="0"/>
+              </a:spcAft>
+              <a:buNone/>
+            </a:pPr>
+            <a:r>
+              <a:t/>
+            </a:r>
+            <a:endParaRPr/>
+          </a:p>
+        </p:txBody>
+      </p:sp>
+    </p:spTree>
+  </p:cSld>
+  <p:clrMapOvr>
+    <a:masterClrMapping/>
+  </p:clrMapOvr>
+</p:notes>
+</file>
+
+<file path=ppt/notesSlides/notesSlide16.xml><?xml version="1.0" encoding="utf-8"?>
+<p:notes xmlns:a="http://schemas.openxmlformats.org/drawingml/2006/main" xmlns:r="http://schemas.openxmlformats.org/officeDocument/2006/relationships" xmlns:mc="http://schemas.openxmlformats.org/markup-compatibility/2006" xmlns:mv="urn:schemas-microsoft-com:mac:vml" xmlns:p="http://schemas.openxmlformats.org/presentationml/2006/main" xmlns:c="http://schemas.openxmlformats.org/drawingml/2006/chart" xmlns:dgm="http://schemas.openxmlformats.org/drawingml/2006/diagram" xmlns:o="urn:schemas-microsoft-com:office:office" xmlns:v="urn:schemas-microsoft-com:vml" xmlns:pvml="urn:schemas-microsoft-com:office:powerpoint" xmlns:com="http://schemas.openxmlformats.org/drawingml/2006/compatibility" xmlns:p14="http://schemas.microsoft.com/office/powerpoint/2010/main" xmlns:p15="http://schemas.microsoft.com/office/powerpoint/2012/main" xmlns:ahyp="http://schemas.microsoft.com/office/drawing/2018/hyperlinkcolor" showMasterPhAnim="0" showMasterSp="0">
+  <p:cSld>
+    <p:spTree>
+      <p:nvGrpSpPr>
+        <p:cNvPr id="155" name="Shape 155"/>
+        <p:cNvGrpSpPr/>
+        <p:nvPr/>
+      </p:nvGrpSpPr>
+      <p:grpSpPr>
+        <a:xfrm>
+          <a:off x="0" y="0"/>
+          <a:ext cx="0" cy="0"/>
+          <a:chOff x="0" y="0"/>
+          <a:chExt cx="0" cy="0"/>
+        </a:xfrm>
+      </p:grpSpPr>
+      <p:sp>
+        <p:nvSpPr>
+          <p:cNvPr id="156" name="Google Shape;156;geb1acc5fd5_0_111:notes"/>
+          <p:cNvSpPr/>
+          <p:nvPr>
+            <p:ph idx="2" type="sldImg"/>
+          </p:nvPr>
+        </p:nvSpPr>
+        <p:spPr>
+          <a:xfrm>
+            <a:off x="381300" y="685800"/>
+            <a:ext cx="6096000" cy="3429000"/>
+          </a:xfrm>
+          <a:custGeom>
+            <a:rect b="b" l="l" r="r" t="t"/>
+            <a:pathLst>
+              <a:path extrusionOk="0" h="120000" w="120000">
+                <a:moveTo>
+                  <a:pt x="0" y="0"/>
+                </a:moveTo>
+                <a:lnTo>
+                  <a:pt x="120000" y="0"/>
+                </a:lnTo>
+                <a:lnTo>
+                  <a:pt x="120000" y="120000"/>
+                </a:lnTo>
+                <a:lnTo>
+                  <a:pt x="0" y="120000"/>
+                </a:lnTo>
+                <a:close/>
+              </a:path>
+            </a:pathLst>
+          </a:custGeom>
+        </p:spPr>
+      </p:sp>
+      <p:sp>
+        <p:nvSpPr>
+          <p:cNvPr id="157" name="Google Shape;157;geb1acc5fd5_0_111:notes"/>
+          <p:cNvSpPr txBox="1"/>
+          <p:nvPr>
+            <p:ph idx="1" type="body"/>
+          </p:nvPr>
+        </p:nvSpPr>
+        <p:spPr>
+          <a:xfrm>
+            <a:off x="685800" y="4343400"/>
+            <a:ext cx="5486400" cy="4114800"/>
+          </a:xfrm>
+          <a:prstGeom prst="rect">
+            <a:avLst/>
+          </a:prstGeom>
+        </p:spPr>
+        <p:txBody>
+          <a:bodyPr anchorCtr="0" anchor="t" bIns="91425" lIns="91425" spcFirstLastPara="1" rIns="91425" wrap="square" tIns="91425">
+            <a:noAutofit/>
+          </a:bodyPr>
+          <a:lstStyle/>
+          <a:p>
+            <a:pPr indent="0" lvl="0" marL="0" rtl="0" algn="l">
+              <a:spcBef>
+                <a:spcPts val="0"/>
+              </a:spcBef>
+              <a:spcAft>
+                <a:spcPts val="0"/>
+              </a:spcAft>
+              <a:buNone/>
+            </a:pPr>
+            <a:r>
+              <a:t/>
+            </a:r>
+            <a:endParaRPr/>
+          </a:p>
+        </p:txBody>
+      </p:sp>
+    </p:spTree>
+  </p:cSld>
+  <p:clrMapOvr>
+    <a:masterClrMapping/>
+  </p:clrMapOvr>
+</p:notes>
+</file>
+
+<file path=ppt/notesSlides/notesSlide17.xml><?xml version="1.0" encoding="utf-8"?>
+<p:notes xmlns:a="http://schemas.openxmlformats.org/drawingml/2006/main" xmlns:r="http://schemas.openxmlformats.org/officeDocument/2006/relationships" xmlns:mc="http://schemas.openxmlformats.org/markup-compatibility/2006" xmlns:mv="urn:schemas-microsoft-com:mac:vml" xmlns:p="http://schemas.openxmlformats.org/presentationml/2006/main" xmlns:c="http://schemas.openxmlformats.org/drawingml/2006/chart" xmlns:dgm="http://schemas.openxmlformats.org/drawingml/2006/diagram" xmlns:o="urn:schemas-microsoft-com:office:office" xmlns:v="urn:schemas-microsoft-com:vml" xmlns:pvml="urn:schemas-microsoft-com:office:powerpoint" xmlns:com="http://schemas.openxmlformats.org/drawingml/2006/compatibility" xmlns:p14="http://schemas.microsoft.com/office/powerpoint/2010/main" xmlns:p15="http://schemas.microsoft.com/office/powerpoint/2012/main" xmlns:ahyp="http://schemas.microsoft.com/office/drawing/2018/hyperlinkcolor" showMasterPhAnim="0" showMasterSp="0">
+  <p:cSld>
+    <p:spTree>
+      <p:nvGrpSpPr>
+        <p:cNvPr id="164" name="Shape 164"/>
+        <p:cNvGrpSpPr/>
+        <p:nvPr/>
+      </p:nvGrpSpPr>
+      <p:grpSpPr>
+        <a:xfrm>
+          <a:off x="0" y="0"/>
+          <a:ext cx="0" cy="0"/>
+          <a:chOff x="0" y="0"/>
+          <a:chExt cx="0" cy="0"/>
+        </a:xfrm>
+      </p:grpSpPr>
+      <p:sp>
+        <p:nvSpPr>
+          <p:cNvPr id="165" name="Google Shape;165;geb1acc5fd5_0_16:notes"/>
+          <p:cNvSpPr/>
+          <p:nvPr>
+            <p:ph idx="2" type="sldImg"/>
+          </p:nvPr>
+        </p:nvSpPr>
+        <p:spPr>
+          <a:xfrm>
+            <a:off x="381300" y="685800"/>
+            <a:ext cx="6096000" cy="3429000"/>
+          </a:xfrm>
+          <a:custGeom>
+            <a:rect b="b" l="l" r="r" t="t"/>
+            <a:pathLst>
+              <a:path extrusionOk="0" h="120000" w="120000">
+                <a:moveTo>
+                  <a:pt x="0" y="0"/>
+                </a:moveTo>
+                <a:lnTo>
+                  <a:pt x="120000" y="0"/>
+                </a:lnTo>
+                <a:lnTo>
+                  <a:pt x="120000" y="120000"/>
+                </a:lnTo>
+                <a:lnTo>
+                  <a:pt x="0" y="120000"/>
+                </a:lnTo>
+                <a:close/>
+              </a:path>
+            </a:pathLst>
+          </a:custGeom>
+        </p:spPr>
+      </p:sp>
+      <p:sp>
+        <p:nvSpPr>
+          <p:cNvPr id="166" name="Google Shape;166;geb1acc5fd5_0_16:notes"/>
+          <p:cNvSpPr txBox="1"/>
+          <p:nvPr>
+            <p:ph idx="1" type="body"/>
+          </p:nvPr>
+        </p:nvSpPr>
+        <p:spPr>
+          <a:xfrm>
+            <a:off x="685800" y="4343400"/>
+            <a:ext cx="5486400" cy="4114800"/>
+          </a:xfrm>
+          <a:prstGeom prst="rect">
+            <a:avLst/>
+          </a:prstGeom>
+        </p:spPr>
+        <p:txBody>
+          <a:bodyPr anchorCtr="0" anchor="t" bIns="91425" lIns="91425" spcFirstLastPara="1" rIns="91425" wrap="square" tIns="91425">
+            <a:noAutofit/>
+          </a:bodyPr>
+          <a:lstStyle/>
+          <a:p>
+            <a:pPr indent="0" lvl="0" marL="0" rtl="0" algn="l">
+              <a:spcBef>
+                <a:spcPts val="0"/>
+              </a:spcBef>
+              <a:spcAft>
+                <a:spcPts val="0"/>
+              </a:spcAft>
+              <a:buNone/>
+            </a:pPr>
+            <a:r>
+              <a:t/>
+            </a:r>
+            <a:endParaRPr/>
+          </a:p>
+        </p:txBody>
+      </p:sp>
+    </p:spTree>
+  </p:cSld>
+  <p:clrMapOvr>
+    <a:masterClrMapping/>
+  </p:clrMapOvr>
+</p:notes>
+</file>
+
+<file path=ppt/notesSlides/notesSlide18.xml><?xml version="1.0" encoding="utf-8"?>
+<p:notes xmlns:a="http://schemas.openxmlformats.org/drawingml/2006/main" xmlns:r="http://schemas.openxmlformats.org/officeDocument/2006/relationships" xmlns:mc="http://schemas.openxmlformats.org/markup-compatibility/2006" xmlns:mv="urn:schemas-microsoft-com:mac:vml" xmlns:p="http://schemas.openxmlformats.org/presentationml/2006/main" xmlns:c="http://schemas.openxmlformats.org/drawingml/2006/chart" xmlns:dgm="http://schemas.openxmlformats.org/drawingml/2006/diagram" xmlns:o="urn:schemas-microsoft-com:office:office" xmlns:v="urn:schemas-microsoft-com:vml" xmlns:pvml="urn:schemas-microsoft-com:office:powerpoint" xmlns:com="http://schemas.openxmlformats.org/drawingml/2006/compatibility" xmlns:p14="http://schemas.microsoft.com/office/powerpoint/2010/main" xmlns:p15="http://schemas.microsoft.com/office/powerpoint/2012/main" xmlns:ahyp="http://schemas.microsoft.com/office/drawing/2018/hyperlinkcolor" showMasterPhAnim="0" showMasterSp="0">
+  <p:cSld>
+    <p:spTree>
+      <p:nvGrpSpPr>
+        <p:cNvPr id="171" name="Shape 171"/>
+        <p:cNvGrpSpPr/>
+        <p:nvPr/>
+      </p:nvGrpSpPr>
+      <p:grpSpPr>
+        <a:xfrm>
+          <a:off x="0" y="0"/>
+          <a:ext cx="0" cy="0"/>
+          <a:chOff x="0" y="0"/>
+          <a:chExt cx="0" cy="0"/>
+        </a:xfrm>
+      </p:grpSpPr>
+      <p:sp>
+        <p:nvSpPr>
+          <p:cNvPr id="172" name="Google Shape;172;geb1acc5fd5_0_20:notes"/>
+          <p:cNvSpPr/>
+          <p:nvPr>
+            <p:ph idx="2" type="sldImg"/>
+          </p:nvPr>
+        </p:nvSpPr>
+        <p:spPr>
+          <a:xfrm>
+            <a:off x="381300" y="685800"/>
+            <a:ext cx="6096000" cy="3429000"/>
+          </a:xfrm>
+          <a:custGeom>
+            <a:rect b="b" l="l" r="r" t="t"/>
+            <a:pathLst>
+              <a:path extrusionOk="0" h="120000" w="120000">
+                <a:moveTo>
+                  <a:pt x="0" y="0"/>
+                </a:moveTo>
+                <a:lnTo>
+                  <a:pt x="120000" y="0"/>
+                </a:lnTo>
+                <a:lnTo>
+                  <a:pt x="120000" y="120000"/>
+                </a:lnTo>
+                <a:lnTo>
+                  <a:pt x="0" y="120000"/>
+                </a:lnTo>
+                <a:close/>
+              </a:path>
+            </a:pathLst>
+          </a:custGeom>
+        </p:spPr>
+      </p:sp>
+      <p:sp>
+        <p:nvSpPr>
+          <p:cNvPr id="173" name="Google Shape;173;geb1acc5fd5_0_20:notes"/>
+          <p:cNvSpPr txBox="1"/>
+          <p:nvPr>
+            <p:ph idx="1" type="body"/>
+          </p:nvPr>
+        </p:nvSpPr>
+        <p:spPr>
+          <a:xfrm>
+            <a:off x="685800" y="4343400"/>
+            <a:ext cx="5486400" cy="4114800"/>
+          </a:xfrm>
+          <a:prstGeom prst="rect">
+            <a:avLst/>
+          </a:prstGeom>
+        </p:spPr>
+        <p:txBody>
+          <a:bodyPr anchorCtr="0" anchor="t" bIns="91425" lIns="91425" spcFirstLastPara="1" rIns="91425" wrap="square" tIns="91425">
+            <a:noAutofit/>
+          </a:bodyPr>
+          <a:lstStyle/>
+          <a:p>
+            <a:pPr indent="0" lvl="0" marL="0" rtl="0" algn="l">
+              <a:spcBef>
+                <a:spcPts val="0"/>
+              </a:spcBef>
+              <a:spcAft>
+                <a:spcPts val="0"/>
+              </a:spcAft>
+              <a:buNone/>
+            </a:pPr>
+            <a:r>
+              <a:t/>
+            </a:r>
+            <a:endParaRPr/>
+          </a:p>
+        </p:txBody>
+      </p:sp>
+    </p:spTree>
+  </p:cSld>
+  <p:clrMapOvr>
+    <a:masterClrMapping/>
+  </p:clrMapOvr>
+</p:notes>
+</file>
+
+<file path=ppt/notesSlides/notesSlide19.xml><?xml version="1.0" encoding="utf-8"?>
+<p:notes xmlns:a="http://schemas.openxmlformats.org/drawingml/2006/main" xmlns:r="http://schemas.openxmlformats.org/officeDocument/2006/relationships" xmlns:mc="http://schemas.openxmlformats.org/markup-compatibility/2006" xmlns:mv="urn:schemas-microsoft-com:mac:vml" xmlns:p="http://schemas.openxmlformats.org/presentationml/2006/main" xmlns:c="http://schemas.openxmlformats.org/drawingml/2006/chart" xmlns:dgm="http://schemas.openxmlformats.org/drawingml/2006/diagram" xmlns:o="urn:schemas-microsoft-com:office:office" xmlns:v="urn:schemas-microsoft-com:vml" xmlns:pvml="urn:schemas-microsoft-com:office:powerpoint" xmlns:com="http://schemas.openxmlformats.org/drawingml/2006/compatibility" xmlns:p14="http://schemas.microsoft.com/office/powerpoint/2010/main" xmlns:p15="http://schemas.microsoft.com/office/powerpoint/2012/main" xmlns:ahyp="http://schemas.microsoft.com/office/drawing/2018/hyperlinkcolor" showMasterPhAnim="0" showMasterSp="0">
+  <p:cSld>
+    <p:spTree>
+      <p:nvGrpSpPr>
+        <p:cNvPr id="179" name="Shape 179"/>
+        <p:cNvGrpSpPr/>
+        <p:nvPr/>
+      </p:nvGrpSpPr>
+      <p:grpSpPr>
+        <a:xfrm>
+          <a:off x="0" y="0"/>
+          <a:ext cx="0" cy="0"/>
+          <a:chOff x="0" y="0"/>
+          <a:chExt cx="0" cy="0"/>
+        </a:xfrm>
+      </p:grpSpPr>
+      <p:sp>
+        <p:nvSpPr>
+          <p:cNvPr id="180" name="Google Shape;180;geb1acc5fd5_0_51:notes"/>
+          <p:cNvSpPr/>
+          <p:nvPr>
+            <p:ph idx="2" type="sldImg"/>
+          </p:nvPr>
+        </p:nvSpPr>
+        <p:spPr>
+          <a:xfrm>
+            <a:off x="381300" y="685800"/>
+            <a:ext cx="6096000" cy="3429000"/>
+          </a:xfrm>
+          <a:custGeom>
+            <a:rect b="b" l="l" r="r" t="t"/>
+            <a:pathLst>
+              <a:path extrusionOk="0" h="120000" w="120000">
+                <a:moveTo>
+                  <a:pt x="0" y="0"/>
+                </a:moveTo>
+                <a:lnTo>
+                  <a:pt x="120000" y="0"/>
+                </a:lnTo>
+                <a:lnTo>
+                  <a:pt x="120000" y="120000"/>
+                </a:lnTo>
+                <a:lnTo>
+                  <a:pt x="0" y="120000"/>
+                </a:lnTo>
+                <a:close/>
+              </a:path>
+            </a:pathLst>
+          </a:custGeom>
+        </p:spPr>
+      </p:sp>
+      <p:sp>
+        <p:nvSpPr>
+          <p:cNvPr id="181" name="Google Shape;181;geb1acc5fd5_0_51:notes"/>
+          <p:cNvSpPr txBox="1"/>
+          <p:nvPr>
+            <p:ph idx="1" type="body"/>
+          </p:nvPr>
+        </p:nvSpPr>
+        <p:spPr>
+          <a:xfrm>
+            <a:off x="685800" y="4343400"/>
+            <a:ext cx="5486400" cy="4114800"/>
+          </a:xfrm>
+          <a:prstGeom prst="rect">
+            <a:avLst/>
+          </a:prstGeom>
+        </p:spPr>
+        <p:txBody>
+          <a:bodyPr anchorCtr="0" anchor="t" bIns="91425" lIns="91425" spcFirstLastPara="1" rIns="91425" wrap="square" tIns="91425">
+            <a:noAutofit/>
+          </a:bodyPr>
+          <a:lstStyle/>
+          <a:p>
+            <a:pPr indent="0" lvl="0" marL="0" rtl="0" algn="l">
+              <a:spcBef>
+                <a:spcPts val="0"/>
+              </a:spcBef>
+              <a:spcAft>
+                <a:spcPts val="0"/>
+              </a:spcAft>
+              <a:buNone/>
+            </a:pPr>
+            <a:r>
+              <a:t/>
+            </a:r>
+            <a:endParaRPr/>
+          </a:p>
+        </p:txBody>
+      </p:sp>
+    </p:spTree>
+  </p:cSld>
+  <p:clrMapOvr>
+    <a:masterClrMapping/>
+  </p:clrMapOvr>
+</p:notes>
+</file>
+
+<file path=ppt/notesSlides/notesSlide2.xml><?xml version="1.0" encoding="utf-8"?>
+<p:notes xmlns:a="http://schemas.openxmlformats.org/drawingml/2006/main" xmlns:r="http://schemas.openxmlformats.org/officeDocument/2006/relationships" xmlns:mc="http://schemas.openxmlformats.org/markup-compatibility/2006" xmlns:mv="urn:schemas-microsoft-com:mac:vml" xmlns:p="http://schemas.openxmlformats.org/presentationml/2006/main" xmlns:c="http://schemas.openxmlformats.org/drawingml/2006/chart" xmlns:dgm="http://schemas.openxmlformats.org/drawingml/2006/diagram" xmlns:o="urn:schemas-microsoft-com:office:office" xmlns:v="urn:schemas-microsoft-com:vml" xmlns:pvml="urn:schemas-microsoft-com:office:powerpoint" xmlns:com="http://schemas.openxmlformats.org/drawingml/2006/compatibility" xmlns:p14="http://schemas.microsoft.com/office/powerpoint/2010/main" xmlns:p15="http://schemas.microsoft.com/office/powerpoint/2012/main" xmlns:ahyp="http://schemas.microsoft.com/office/drawing/2018/hyperlinkcolor" showMasterPhAnim="0" showMasterSp="0">
+  <p:cSld>
+    <p:spTree>
+      <p:nvGrpSpPr>
+        <p:cNvPr id="56" name="Shape 56"/>
+        <p:cNvGrpSpPr/>
+        <p:nvPr/>
+      </p:nvGrpSpPr>
+      <p:grpSpPr>
+        <a:xfrm>
+          <a:off x="0" y="0"/>
+          <a:ext cx="0" cy="0"/>
+          <a:chOff x="0" y="0"/>
+          <a:chExt cx="0" cy="0"/>
+        </a:xfrm>
+      </p:grpSpPr>
+      <p:sp>
+        <p:nvSpPr>
+          <p:cNvPr id="57" name="Google Shape;57;geaf493c92b_0_0:notes"/>
+          <p:cNvSpPr/>
+          <p:nvPr>
+            <p:ph idx="2" type="sldImg"/>
+          </p:nvPr>
+        </p:nvSpPr>
+        <p:spPr>
+          <a:xfrm>
+            <a:off x="381300" y="685800"/>
+            <a:ext cx="6096000" cy="3429000"/>
+          </a:xfrm>
+          <a:custGeom>
+            <a:rect b="b" l="l" r="r" t="t"/>
+            <a:pathLst>
+              <a:path extrusionOk="0" h="120000" w="120000">
+                <a:moveTo>
+                  <a:pt x="0" y="0"/>
+                </a:moveTo>
+                <a:lnTo>
+                  <a:pt x="120000" y="0"/>
+                </a:lnTo>
+                <a:lnTo>
+                  <a:pt x="120000" y="120000"/>
+                </a:lnTo>
+                <a:lnTo>
+                  <a:pt x="0" y="120000"/>
+                </a:lnTo>
+                <a:close/>
+              </a:path>
+            </a:pathLst>
+          </a:custGeom>
+        </p:spPr>
+      </p:sp>
+      <p:sp>
+        <p:nvSpPr>
           <p:cNvPr id="58" name="Google Shape;58;geaf493c92b_0_0:notes"/>
+          <p:cNvSpPr txBox="1"/>
+          <p:nvPr>
+            <p:ph idx="1" type="body"/>
+          </p:nvPr>
+        </p:nvSpPr>
+        <p:spPr>
+          <a:xfrm>
+            <a:off x="685800" y="4343400"/>
+            <a:ext cx="5486400" cy="4114800"/>
+          </a:xfrm>
+          <a:prstGeom prst="rect">
+            <a:avLst/>
+          </a:prstGeom>
+        </p:spPr>
+        <p:txBody>
+          <a:bodyPr anchorCtr="0" anchor="t" bIns="91425" lIns="91425" spcFirstLastPara="1" rIns="91425" wrap="square" tIns="91425">
+            <a:noAutofit/>
+          </a:bodyPr>
+          <a:lstStyle/>
+          <a:p>
+            <a:pPr indent="0" lvl="0" marL="0" rtl="0" algn="l">
+              <a:spcBef>
+                <a:spcPts val="0"/>
+              </a:spcBef>
+              <a:spcAft>
+                <a:spcPts val="0"/>
+              </a:spcAft>
+              <a:buNone/>
+            </a:pPr>
+            <a:r>
+              <a:t/>
+            </a:r>
+            <a:endParaRPr/>
+          </a:p>
+        </p:txBody>
+      </p:sp>
+    </p:spTree>
+  </p:cSld>
+  <p:clrMapOvr>
+    <a:masterClrMapping/>
+  </p:clrMapOvr>
+</p:notes>
+</file>
+
+<file path=ppt/notesSlides/notesSlide20.xml><?xml version="1.0" encoding="utf-8"?>
+<p:notes xmlns:a="http://schemas.openxmlformats.org/drawingml/2006/main" xmlns:r="http://schemas.openxmlformats.org/officeDocument/2006/relationships" xmlns:mc="http://schemas.openxmlformats.org/markup-compatibility/2006" xmlns:mv="urn:schemas-microsoft-com:mac:vml" xmlns:p="http://schemas.openxmlformats.org/presentationml/2006/main" xmlns:c="http://schemas.openxmlformats.org/drawingml/2006/chart" xmlns:dgm="http://schemas.openxmlformats.org/drawingml/2006/diagram" xmlns:o="urn:schemas-microsoft-com:office:office" xmlns:v="urn:schemas-microsoft-com:vml" xmlns:pvml="urn:schemas-microsoft-com:office:powerpoint" xmlns:com="http://schemas.openxmlformats.org/drawingml/2006/compatibility" xmlns:p14="http://schemas.microsoft.com/office/powerpoint/2010/main" xmlns:p15="http://schemas.microsoft.com/office/powerpoint/2012/main" xmlns:ahyp="http://schemas.microsoft.com/office/drawing/2018/hyperlinkcolor" showMasterPhAnim="0" showMasterSp="0">
+  <p:cSld>
+    <p:spTree>
+      <p:nvGrpSpPr>
+        <p:cNvPr id="186" name="Shape 186"/>
+        <p:cNvGrpSpPr/>
+        <p:nvPr/>
+      </p:nvGrpSpPr>
+      <p:grpSpPr>
+        <a:xfrm>
+          <a:off x="0" y="0"/>
+          <a:ext cx="0" cy="0"/>
+          <a:chOff x="0" y="0"/>
+          <a:chExt cx="0" cy="0"/>
+        </a:xfrm>
+      </p:grpSpPr>
+      <p:sp>
+        <p:nvSpPr>
+          <p:cNvPr id="187" name="Google Shape;187;geb1acc5fd5_0_56:notes"/>
+          <p:cNvSpPr/>
+          <p:nvPr>
+            <p:ph idx="2" type="sldImg"/>
+          </p:nvPr>
+        </p:nvSpPr>
+        <p:spPr>
+          <a:xfrm>
+            <a:off x="381300" y="685800"/>
+            <a:ext cx="6096000" cy="3429000"/>
+          </a:xfrm>
+          <a:custGeom>
+            <a:rect b="b" l="l" r="r" t="t"/>
+            <a:pathLst>
+              <a:path extrusionOk="0" h="120000" w="120000">
+                <a:moveTo>
+                  <a:pt x="0" y="0"/>
+                </a:moveTo>
+                <a:lnTo>
+                  <a:pt x="120000" y="0"/>
+                </a:lnTo>
+                <a:lnTo>
+                  <a:pt x="120000" y="120000"/>
+                </a:lnTo>
+                <a:lnTo>
+                  <a:pt x="0" y="120000"/>
+                </a:lnTo>
+                <a:close/>
+              </a:path>
+            </a:pathLst>
+          </a:custGeom>
+        </p:spPr>
+      </p:sp>
+      <p:sp>
+        <p:nvSpPr>
+          <p:cNvPr id="188" name="Google Shape;188;geb1acc5fd5_0_56:notes"/>
+          <p:cNvSpPr txBox="1"/>
+          <p:nvPr>
+            <p:ph idx="1" type="body"/>
+          </p:nvPr>
+        </p:nvSpPr>
+        <p:spPr>
+          <a:xfrm>
+            <a:off x="685800" y="4343400"/>
+            <a:ext cx="5486400" cy="4114800"/>
+          </a:xfrm>
+          <a:prstGeom prst="rect">
+            <a:avLst/>
+          </a:prstGeom>
+        </p:spPr>
+        <p:txBody>
+          <a:bodyPr anchorCtr="0" anchor="t" bIns="91425" lIns="91425" spcFirstLastPara="1" rIns="91425" wrap="square" tIns="91425">
+            <a:noAutofit/>
+          </a:bodyPr>
+          <a:lstStyle/>
+          <a:p>
+            <a:pPr indent="0" lvl="0" marL="0" rtl="0" algn="l">
+              <a:spcBef>
+                <a:spcPts val="0"/>
+              </a:spcBef>
+              <a:spcAft>
+                <a:spcPts val="0"/>
+              </a:spcAft>
+              <a:buNone/>
+            </a:pPr>
+            <a:r>
+              <a:t/>
+            </a:r>
+            <a:endParaRPr/>
+          </a:p>
+        </p:txBody>
+      </p:sp>
+    </p:spTree>
+  </p:cSld>
+  <p:clrMapOvr>
+    <a:masterClrMapping/>
+  </p:clrMapOvr>
+</p:notes>
+</file>
+
+<file path=ppt/notesSlides/notesSlide21.xml><?xml version="1.0" encoding="utf-8"?>
+<p:notes xmlns:a="http://schemas.openxmlformats.org/drawingml/2006/main" xmlns:r="http://schemas.openxmlformats.org/officeDocument/2006/relationships" xmlns:mc="http://schemas.openxmlformats.org/markup-compatibility/2006" xmlns:mv="urn:schemas-microsoft-com:mac:vml" xmlns:p="http://schemas.openxmlformats.org/presentationml/2006/main" xmlns:c="http://schemas.openxmlformats.org/drawingml/2006/chart" xmlns:dgm="http://schemas.openxmlformats.org/drawingml/2006/diagram" xmlns:o="urn:schemas-microsoft-com:office:office" xmlns:v="urn:schemas-microsoft-com:vml" xmlns:pvml="urn:schemas-microsoft-com:office:powerpoint" xmlns:com="http://schemas.openxmlformats.org/drawingml/2006/compatibility" xmlns:p14="http://schemas.microsoft.com/office/powerpoint/2010/main" xmlns:p15="http://schemas.microsoft.com/office/powerpoint/2012/main" xmlns:ahyp="http://schemas.microsoft.com/office/drawing/2018/hyperlinkcolor" showMasterPhAnim="0" showMasterSp="0">
+  <p:cSld>
+    <p:spTree>
+      <p:nvGrpSpPr>
+        <p:cNvPr id="195" name="Shape 195"/>
+        <p:cNvGrpSpPr/>
+        <p:nvPr/>
+      </p:nvGrpSpPr>
+      <p:grpSpPr>
+        <a:xfrm>
+          <a:off x="0" y="0"/>
+          <a:ext cx="0" cy="0"/>
+          <a:chOff x="0" y="0"/>
+          <a:chExt cx="0" cy="0"/>
+        </a:xfrm>
+      </p:grpSpPr>
+      <p:sp>
+        <p:nvSpPr>
+          <p:cNvPr id="196" name="Google Shape;196;geb1acc5fd5_0_61:notes"/>
+          <p:cNvSpPr/>
+          <p:nvPr>
+            <p:ph idx="2" type="sldImg"/>
+          </p:nvPr>
+        </p:nvSpPr>
+        <p:spPr>
+          <a:xfrm>
+            <a:off x="381300" y="685800"/>
+            <a:ext cx="6096000" cy="3429000"/>
+          </a:xfrm>
+          <a:custGeom>
+            <a:rect b="b" l="l" r="r" t="t"/>
+            <a:pathLst>
+              <a:path extrusionOk="0" h="120000" w="120000">
+                <a:moveTo>
+                  <a:pt x="0" y="0"/>
+                </a:moveTo>
+                <a:lnTo>
+                  <a:pt x="120000" y="0"/>
+                </a:lnTo>
+                <a:lnTo>
+                  <a:pt x="120000" y="120000"/>
+                </a:lnTo>
+                <a:lnTo>
+                  <a:pt x="0" y="120000"/>
+                </a:lnTo>
+                <a:close/>
+              </a:path>
+            </a:pathLst>
+          </a:custGeom>
+        </p:spPr>
+      </p:sp>
+      <p:sp>
+        <p:nvSpPr>
+          <p:cNvPr id="197" name="Google Shape;197;geb1acc5fd5_0_61:notes"/>
+          <p:cNvSpPr txBox="1"/>
+          <p:nvPr>
+            <p:ph idx="1" type="body"/>
+          </p:nvPr>
+        </p:nvSpPr>
+        <p:spPr>
+          <a:xfrm>
+            <a:off x="685800" y="4343400"/>
+            <a:ext cx="5486400" cy="4114800"/>
+          </a:xfrm>
+          <a:prstGeom prst="rect">
+            <a:avLst/>
+          </a:prstGeom>
+        </p:spPr>
+        <p:txBody>
+          <a:bodyPr anchorCtr="0" anchor="t" bIns="91425" lIns="91425" spcFirstLastPara="1" rIns="91425" wrap="square" tIns="91425">
+            <a:noAutofit/>
+          </a:bodyPr>
+          <a:lstStyle/>
+          <a:p>
+            <a:pPr indent="0" lvl="0" marL="0" rtl="0" algn="l">
+              <a:spcBef>
+                <a:spcPts val="0"/>
+              </a:spcBef>
+              <a:spcAft>
+                <a:spcPts val="0"/>
+              </a:spcAft>
+              <a:buNone/>
+            </a:pPr>
+            <a:r>
+              <a:t/>
+            </a:r>
+            <a:endParaRPr/>
+          </a:p>
+        </p:txBody>
+      </p:sp>
+    </p:spTree>
+  </p:cSld>
+  <p:clrMapOvr>
+    <a:masterClrMapping/>
+  </p:clrMapOvr>
+</p:notes>
+</file>
+
+<file path=ppt/notesSlides/notesSlide22.xml><?xml version="1.0" encoding="utf-8"?>
+<p:notes xmlns:a="http://schemas.openxmlformats.org/drawingml/2006/main" xmlns:r="http://schemas.openxmlformats.org/officeDocument/2006/relationships" xmlns:mc="http://schemas.openxmlformats.org/markup-compatibility/2006" xmlns:mv="urn:schemas-microsoft-com:mac:vml" xmlns:p="http://schemas.openxmlformats.org/presentationml/2006/main" xmlns:c="http://schemas.openxmlformats.org/drawingml/2006/chart" xmlns:dgm="http://schemas.openxmlformats.org/drawingml/2006/diagram" xmlns:o="urn:schemas-microsoft-com:office:office" xmlns:v="urn:schemas-microsoft-com:vml" xmlns:pvml="urn:schemas-microsoft-com:office:powerpoint" xmlns:com="http://schemas.openxmlformats.org/drawingml/2006/compatibility" xmlns:p14="http://schemas.microsoft.com/office/powerpoint/2010/main" xmlns:p15="http://schemas.microsoft.com/office/powerpoint/2012/main" xmlns:ahyp="http://schemas.microsoft.com/office/drawing/2018/hyperlinkcolor" showMasterPhAnim="0" showMasterSp="0">
+  <p:cSld>
+    <p:spTree>
+      <p:nvGrpSpPr>
+        <p:cNvPr id="201" name="Shape 201"/>
+        <p:cNvGrpSpPr/>
+        <p:nvPr/>
+      </p:nvGrpSpPr>
+      <p:grpSpPr>
+        <a:xfrm>
+          <a:off x="0" y="0"/>
+          <a:ext cx="0" cy="0"/>
+          <a:chOff x="0" y="0"/>
+          <a:chExt cx="0" cy="0"/>
+        </a:xfrm>
+      </p:grpSpPr>
+      <p:sp>
+        <p:nvSpPr>
+          <p:cNvPr id="202" name="Google Shape;202;geb1acc5fd5_0_71:notes"/>
+          <p:cNvSpPr/>
+          <p:nvPr>
+            <p:ph idx="2" type="sldImg"/>
+          </p:nvPr>
+        </p:nvSpPr>
+        <p:spPr>
+          <a:xfrm>
+            <a:off x="381300" y="685800"/>
+            <a:ext cx="6096000" cy="3429000"/>
+          </a:xfrm>
+          <a:custGeom>
+            <a:rect b="b" l="l" r="r" t="t"/>
+            <a:pathLst>
+              <a:path extrusionOk="0" h="120000" w="120000">
+                <a:moveTo>
+                  <a:pt x="0" y="0"/>
+                </a:moveTo>
+                <a:lnTo>
+                  <a:pt x="120000" y="0"/>
+                </a:lnTo>
+                <a:lnTo>
+                  <a:pt x="120000" y="120000"/>
+                </a:lnTo>
+                <a:lnTo>
+                  <a:pt x="0" y="120000"/>
+                </a:lnTo>
+                <a:close/>
+              </a:path>
+            </a:pathLst>
+          </a:custGeom>
+        </p:spPr>
+      </p:sp>
+      <p:sp>
+        <p:nvSpPr>
+          <p:cNvPr id="203" name="Google Shape;203;geb1acc5fd5_0_71:notes"/>
+          <p:cNvSpPr txBox="1"/>
+          <p:nvPr>
+            <p:ph idx="1" type="body"/>
+          </p:nvPr>
+        </p:nvSpPr>
+        <p:spPr>
+          <a:xfrm>
+            <a:off x="685800" y="4343400"/>
+            <a:ext cx="5486400" cy="4114800"/>
+          </a:xfrm>
+          <a:prstGeom prst="rect">
+            <a:avLst/>
+          </a:prstGeom>
+        </p:spPr>
+        <p:txBody>
+          <a:bodyPr anchorCtr="0" anchor="t" bIns="91425" lIns="91425" spcFirstLastPara="1" rIns="91425" wrap="square" tIns="91425">
+            <a:noAutofit/>
+          </a:bodyPr>
+          <a:lstStyle/>
+          <a:p>
+            <a:pPr indent="0" lvl="0" marL="0" rtl="0" algn="l">
+              <a:spcBef>
+                <a:spcPts val="0"/>
+              </a:spcBef>
+              <a:spcAft>
+                <a:spcPts val="0"/>
+              </a:spcAft>
+              <a:buNone/>
+            </a:pPr>
+            <a:r>
+              <a:t/>
+            </a:r>
+            <a:endParaRPr/>
+          </a:p>
+        </p:txBody>
+      </p:sp>
+    </p:spTree>
+  </p:cSld>
+  <p:clrMapOvr>
+    <a:masterClrMapping/>
+  </p:clrMapOvr>
+</p:notes>
+</file>
+
+<file path=ppt/notesSlides/notesSlide23.xml><?xml version="1.0" encoding="utf-8"?>
+<p:notes xmlns:a="http://schemas.openxmlformats.org/drawingml/2006/main" xmlns:r="http://schemas.openxmlformats.org/officeDocument/2006/relationships" xmlns:mc="http://schemas.openxmlformats.org/markup-compatibility/2006" xmlns:mv="urn:schemas-microsoft-com:mac:vml" xmlns:p="http://schemas.openxmlformats.org/presentationml/2006/main" xmlns:c="http://schemas.openxmlformats.org/drawingml/2006/chart" xmlns:dgm="http://schemas.openxmlformats.org/drawingml/2006/diagram" xmlns:o="urn:schemas-microsoft-com:office:office" xmlns:v="urn:schemas-microsoft-com:vml" xmlns:pvml="urn:schemas-microsoft-com:office:powerpoint" xmlns:com="http://schemas.openxmlformats.org/drawingml/2006/compatibility" xmlns:p14="http://schemas.microsoft.com/office/powerpoint/2010/main" xmlns:p15="http://schemas.microsoft.com/office/powerpoint/2012/main" xmlns:ahyp="http://schemas.microsoft.com/office/drawing/2018/hyperlinkcolor" showMasterPhAnim="0" showMasterSp="0">
+  <p:cSld>
+    <p:spTree>
+      <p:nvGrpSpPr>
+        <p:cNvPr id="212" name="Shape 212"/>
+        <p:cNvGrpSpPr/>
+        <p:nvPr/>
+      </p:nvGrpSpPr>
+      <p:grpSpPr>
+        <a:xfrm>
+          <a:off x="0" y="0"/>
+          <a:ext cx="0" cy="0"/>
+          <a:chOff x="0" y="0"/>
+          <a:chExt cx="0" cy="0"/>
+        </a:xfrm>
+      </p:grpSpPr>
+      <p:sp>
+        <p:nvSpPr>
+          <p:cNvPr id="213" name="Google Shape;213;geb1acc5fd5_0_76:notes"/>
+          <p:cNvSpPr/>
+          <p:nvPr>
+            <p:ph idx="2" type="sldImg"/>
+          </p:nvPr>
+        </p:nvSpPr>
+        <p:spPr>
+          <a:xfrm>
+            <a:off x="381300" y="685800"/>
+            <a:ext cx="6096000" cy="3429000"/>
+          </a:xfrm>
+          <a:custGeom>
+            <a:rect b="b" l="l" r="r" t="t"/>
+            <a:pathLst>
+              <a:path extrusionOk="0" h="120000" w="120000">
+                <a:moveTo>
+                  <a:pt x="0" y="0"/>
+                </a:moveTo>
+                <a:lnTo>
+                  <a:pt x="120000" y="0"/>
+                </a:lnTo>
+                <a:lnTo>
+                  <a:pt x="120000" y="120000"/>
+                </a:lnTo>
+                <a:lnTo>
+                  <a:pt x="0" y="120000"/>
+                </a:lnTo>
+                <a:close/>
+              </a:path>
+            </a:pathLst>
+          </a:custGeom>
+        </p:spPr>
+      </p:sp>
+      <p:sp>
+        <p:nvSpPr>
+          <p:cNvPr id="214" name="Google Shape;214;geb1acc5fd5_0_76:notes"/>
+          <p:cNvSpPr txBox="1"/>
+          <p:nvPr>
+            <p:ph idx="1" type="body"/>
+          </p:nvPr>
+        </p:nvSpPr>
+        <p:spPr>
+          <a:xfrm>
+            <a:off x="685800" y="4343400"/>
+            <a:ext cx="5486400" cy="4114800"/>
+          </a:xfrm>
+          <a:prstGeom prst="rect">
+            <a:avLst/>
+          </a:prstGeom>
+        </p:spPr>
+        <p:txBody>
+          <a:bodyPr anchorCtr="0" anchor="t" bIns="91425" lIns="91425" spcFirstLastPara="1" rIns="91425" wrap="square" tIns="91425">
+            <a:noAutofit/>
+          </a:bodyPr>
+          <a:lstStyle/>
+          <a:p>
+            <a:pPr indent="0" lvl="0" marL="0" rtl="0" algn="l">
+              <a:spcBef>
+                <a:spcPts val="0"/>
+              </a:spcBef>
+              <a:spcAft>
+                <a:spcPts val="0"/>
+              </a:spcAft>
+              <a:buNone/>
+            </a:pPr>
+            <a:r>
+              <a:t/>
+            </a:r>
+            <a:endParaRPr/>
+          </a:p>
+        </p:txBody>
+      </p:sp>
+    </p:spTree>
+  </p:cSld>
+  <p:clrMapOvr>
+    <a:masterClrMapping/>
+  </p:clrMapOvr>
+</p:notes>
+</file>
+
+<file path=ppt/notesSlides/notesSlide24.xml><?xml version="1.0" encoding="utf-8"?>
+<p:notes xmlns:a="http://schemas.openxmlformats.org/drawingml/2006/main" xmlns:r="http://schemas.openxmlformats.org/officeDocument/2006/relationships" xmlns:mc="http://schemas.openxmlformats.org/markup-compatibility/2006" xmlns:mv="urn:schemas-microsoft-com:mac:vml" xmlns:p="http://schemas.openxmlformats.org/presentationml/2006/main" xmlns:c="http://schemas.openxmlformats.org/drawingml/2006/chart" xmlns:dgm="http://schemas.openxmlformats.org/drawingml/2006/diagram" xmlns:o="urn:schemas-microsoft-com:office:office" xmlns:v="urn:schemas-microsoft-com:vml" xmlns:pvml="urn:schemas-microsoft-com:office:powerpoint" xmlns:com="http://schemas.openxmlformats.org/drawingml/2006/compatibility" xmlns:p14="http://schemas.microsoft.com/office/powerpoint/2010/main" xmlns:p15="http://schemas.microsoft.com/office/powerpoint/2012/main" xmlns:ahyp="http://schemas.microsoft.com/office/drawing/2018/hyperlinkcolor" showMasterPhAnim="0" showMasterSp="0">
+  <p:cSld>
+    <p:spTree>
+      <p:nvGrpSpPr>
+        <p:cNvPr id="217" name="Shape 217"/>
+        <p:cNvGrpSpPr/>
+        <p:nvPr/>
+      </p:nvGrpSpPr>
+      <p:grpSpPr>
+        <a:xfrm>
+          <a:off x="0" y="0"/>
+          <a:ext cx="0" cy="0"/>
+          <a:chOff x="0" y="0"/>
+          <a:chExt cx="0" cy="0"/>
+        </a:xfrm>
+      </p:grpSpPr>
+      <p:sp>
+        <p:nvSpPr>
+          <p:cNvPr id="218" name="Google Shape;218;geb1acc5fd5_0_130:notes"/>
+          <p:cNvSpPr/>
+          <p:nvPr>
+            <p:ph idx="2" type="sldImg"/>
+          </p:nvPr>
+        </p:nvSpPr>
+        <p:spPr>
+          <a:xfrm>
+            <a:off x="381300" y="685800"/>
+            <a:ext cx="6096000" cy="3429000"/>
+          </a:xfrm>
+          <a:custGeom>
+            <a:rect b="b" l="l" r="r" t="t"/>
+            <a:pathLst>
+              <a:path extrusionOk="0" h="120000" w="120000">
+                <a:moveTo>
+                  <a:pt x="0" y="0"/>
+                </a:moveTo>
+                <a:lnTo>
+                  <a:pt x="120000" y="0"/>
+                </a:lnTo>
+                <a:lnTo>
+                  <a:pt x="120000" y="120000"/>
+                </a:lnTo>
+                <a:lnTo>
+                  <a:pt x="0" y="120000"/>
+                </a:lnTo>
+                <a:close/>
+              </a:path>
+            </a:pathLst>
+          </a:custGeom>
+        </p:spPr>
+      </p:sp>
+      <p:sp>
+        <p:nvSpPr>
+          <p:cNvPr id="219" name="Google Shape;219;geb1acc5fd5_0_130:notes"/>
           <p:cNvSpPr txBox="1"/>
           <p:nvPr>
             <p:ph idx="1" type="body"/>
@@ -1441,6 +2942,105 @@
       <p:sp>
         <p:nvSpPr>
           <p:cNvPr id="99" name="Google Shape;99;geaf493c92b_0_31:notes"/>
+          <p:cNvSpPr txBox="1"/>
+          <p:nvPr>
+            <p:ph idx="1" type="body"/>
+          </p:nvPr>
+        </p:nvSpPr>
+        <p:spPr>
+          <a:xfrm>
+            <a:off x="685800" y="4343400"/>
+            <a:ext cx="5486400" cy="4114800"/>
+          </a:xfrm>
+          <a:prstGeom prst="rect">
+            <a:avLst/>
+          </a:prstGeom>
+        </p:spPr>
+        <p:txBody>
+          <a:bodyPr anchorCtr="0" anchor="t" bIns="91425" lIns="91425" spcFirstLastPara="1" rIns="91425" wrap="square" tIns="91425">
+            <a:noAutofit/>
+          </a:bodyPr>
+          <a:lstStyle/>
+          <a:p>
+            <a:pPr indent="0" lvl="0" marL="0" rtl="0" algn="l">
+              <a:spcBef>
+                <a:spcPts val="0"/>
+              </a:spcBef>
+              <a:spcAft>
+                <a:spcPts val="0"/>
+              </a:spcAft>
+              <a:buNone/>
+            </a:pPr>
+            <a:r>
+              <a:t/>
+            </a:r>
+            <a:endParaRPr/>
+          </a:p>
+        </p:txBody>
+      </p:sp>
+    </p:spTree>
+  </p:cSld>
+  <p:clrMapOvr>
+    <a:masterClrMapping/>
+  </p:clrMapOvr>
+</p:notes>
+</file>
+
+<file path=ppt/notesSlides/notesSlide9.xml><?xml version="1.0" encoding="utf-8"?>
+<p:notes xmlns:a="http://schemas.openxmlformats.org/drawingml/2006/main" xmlns:r="http://schemas.openxmlformats.org/officeDocument/2006/relationships" xmlns:mc="http://schemas.openxmlformats.org/markup-compatibility/2006" xmlns:mv="urn:schemas-microsoft-com:mac:vml" xmlns:p="http://schemas.openxmlformats.org/presentationml/2006/main" xmlns:c="http://schemas.openxmlformats.org/drawingml/2006/chart" xmlns:dgm="http://schemas.openxmlformats.org/drawingml/2006/diagram" xmlns:o="urn:schemas-microsoft-com:office:office" xmlns:v="urn:schemas-microsoft-com:vml" xmlns:pvml="urn:schemas-microsoft-com:office:powerpoint" xmlns:com="http://schemas.openxmlformats.org/drawingml/2006/compatibility" xmlns:p14="http://schemas.microsoft.com/office/powerpoint/2010/main" xmlns:p15="http://schemas.microsoft.com/office/powerpoint/2012/main" xmlns:ahyp="http://schemas.microsoft.com/office/drawing/2018/hyperlinkcolor" showMasterPhAnim="0" showMasterSp="0">
+  <p:cSld>
+    <p:spTree>
+      <p:nvGrpSpPr>
+        <p:cNvPr id="102" name="Shape 102"/>
+        <p:cNvGrpSpPr/>
+        <p:nvPr/>
+      </p:nvGrpSpPr>
+      <p:grpSpPr>
+        <a:xfrm>
+          <a:off x="0" y="0"/>
+          <a:ext cx="0" cy="0"/>
+          <a:chOff x="0" y="0"/>
+          <a:chExt cx="0" cy="0"/>
+        </a:xfrm>
+      </p:grpSpPr>
+      <p:sp>
+        <p:nvSpPr>
+          <p:cNvPr id="103" name="Google Shape;103;geb1acc5fd5_0_0:notes"/>
+          <p:cNvSpPr/>
+          <p:nvPr>
+            <p:ph idx="2" type="sldImg"/>
+          </p:nvPr>
+        </p:nvSpPr>
+        <p:spPr>
+          <a:xfrm>
+            <a:off x="381300" y="685800"/>
+            <a:ext cx="6096000" cy="3429000"/>
+          </a:xfrm>
+          <a:custGeom>
+            <a:rect b="b" l="l" r="r" t="t"/>
+            <a:pathLst>
+              <a:path extrusionOk="0" h="120000" w="120000">
+                <a:moveTo>
+                  <a:pt x="0" y="0"/>
+                </a:moveTo>
+                <a:lnTo>
+                  <a:pt x="120000" y="0"/>
+                </a:lnTo>
+                <a:lnTo>
+                  <a:pt x="120000" y="120000"/>
+                </a:lnTo>
+                <a:lnTo>
+                  <a:pt x="0" y="120000"/>
+                </a:lnTo>
+                <a:close/>
+              </a:path>
+            </a:pathLst>
+          </a:custGeom>
+        </p:spPr>
+      </p:sp>
+      <p:sp>
+        <p:nvSpPr>
+          <p:cNvPr id="104" name="Google Shape;104;geb1acc5fd5_0_0:notes"/>
           <p:cNvSpPr txBox="1"/>
           <p:nvPr>
             <p:ph idx="1" type="body"/>
@@ -6270,6 +7870,1884 @@
 </p:sld>
 </file>
 
+<file path=ppt/slides/slide10.xml><?xml version="1.0" encoding="utf-8"?>
+<p:sld xmlns:a="http://schemas.openxmlformats.org/drawingml/2006/main" xmlns:r="http://schemas.openxmlformats.org/officeDocument/2006/relationships" xmlns:mc="http://schemas.openxmlformats.org/markup-compatibility/2006" xmlns:mv="urn:schemas-microsoft-com:mac:vml" xmlns:p="http://schemas.openxmlformats.org/presentationml/2006/main" xmlns:c="http://schemas.openxmlformats.org/drawingml/2006/chart" xmlns:dgm="http://schemas.openxmlformats.org/drawingml/2006/diagram" xmlns:o="urn:schemas-microsoft-com:office:office" xmlns:v="urn:schemas-microsoft-com:vml" xmlns:pvml="urn:schemas-microsoft-com:office:powerpoint" xmlns:com="http://schemas.openxmlformats.org/drawingml/2006/compatibility" xmlns:p14="http://schemas.microsoft.com/office/powerpoint/2010/main" xmlns:p15="http://schemas.microsoft.com/office/powerpoint/2012/main" xmlns:ahyp="http://schemas.microsoft.com/office/drawing/2018/hyperlinkcolor">
+  <p:cSld>
+    <p:spTree>
+      <p:nvGrpSpPr>
+        <p:cNvPr id="112" name="Shape 112"/>
+        <p:cNvGrpSpPr/>
+        <p:nvPr/>
+      </p:nvGrpSpPr>
+      <p:grpSpPr>
+        <a:xfrm>
+          <a:off x="0" y="0"/>
+          <a:ext cx="0" cy="0"/>
+          <a:chOff x="0" y="0"/>
+          <a:chExt cx="0" cy="0"/>
+        </a:xfrm>
+      </p:grpSpPr>
+      <p:sp>
+        <p:nvSpPr>
+          <p:cNvPr id="113" name="Google Shape;113;p22"/>
+          <p:cNvSpPr txBox="1"/>
+          <p:nvPr>
+            <p:ph type="title"/>
+          </p:nvPr>
+        </p:nvSpPr>
+        <p:spPr>
+          <a:xfrm>
+            <a:off x="311700" y="445025"/>
+            <a:ext cx="8520600" cy="572700"/>
+          </a:xfrm>
+          <a:prstGeom prst="rect">
+            <a:avLst/>
+          </a:prstGeom>
+        </p:spPr>
+        <p:txBody>
+          <a:bodyPr anchorCtr="0" anchor="t" bIns="91425" lIns="91425" spcFirstLastPara="1" rIns="91425" wrap="square" tIns="91425">
+            <a:normAutofit fontScale="90000"/>
+          </a:bodyPr>
+          <a:lstStyle/>
+          <a:p>
+            <a:pPr indent="0" lvl="0" marL="0" rtl="0" algn="l">
+              <a:spcBef>
+                <a:spcPts val="0"/>
+              </a:spcBef>
+              <a:spcAft>
+                <a:spcPts val="0"/>
+              </a:spcAft>
+              <a:buNone/>
+            </a:pPr>
+            <a:r>
+              <a:rPr lang="ko"/>
+              <a:t>Data used(1) - 크롤링 데이터</a:t>
+            </a:r>
+            <a:endParaRPr/>
+          </a:p>
+        </p:txBody>
+      </p:sp>
+      <p:sp>
+        <p:nvSpPr>
+          <p:cNvPr id="114" name="Google Shape;114;p22"/>
+          <p:cNvSpPr txBox="1"/>
+          <p:nvPr>
+            <p:ph idx="1" type="body"/>
+          </p:nvPr>
+        </p:nvSpPr>
+        <p:spPr>
+          <a:xfrm>
+            <a:off x="-62" y="1164825"/>
+            <a:ext cx="4655100" cy="3416400"/>
+          </a:xfrm>
+          <a:prstGeom prst="rect">
+            <a:avLst/>
+          </a:prstGeom>
+        </p:spPr>
+        <p:txBody>
+          <a:bodyPr anchorCtr="0" anchor="t" bIns="91425" lIns="91425" spcFirstLastPara="1" rIns="91425" wrap="square" tIns="91425">
+            <a:normAutofit/>
+          </a:bodyPr>
+          <a:lstStyle/>
+          <a:p>
+            <a:pPr indent="0" lvl="0" marL="0" rtl="0" algn="l">
+              <a:spcBef>
+                <a:spcPts val="0"/>
+              </a:spcBef>
+              <a:spcAft>
+                <a:spcPts val="0"/>
+              </a:spcAft>
+              <a:buNone/>
+            </a:pPr>
+            <a:r>
+              <a:rPr lang="ko"/>
+              <a:t>Crawling code</a:t>
+            </a:r>
+            <a:endParaRPr/>
+          </a:p>
+          <a:p>
+            <a:pPr indent="0" lvl="0" marL="0" rtl="0" algn="l">
+              <a:spcBef>
+                <a:spcPts val="1200"/>
+              </a:spcBef>
+              <a:spcAft>
+                <a:spcPts val="1200"/>
+              </a:spcAft>
+              <a:buNone/>
+            </a:pPr>
+            <a:r>
+              <a:t/>
+            </a:r>
+            <a:endParaRPr/>
+          </a:p>
+        </p:txBody>
+      </p:sp>
+      <p:pic>
+        <p:nvPicPr>
+          <p:cNvPr id="115" name="Google Shape;115;p22"/>
+          <p:cNvPicPr preferRelativeResize="0"/>
+          <p:nvPr/>
+        </p:nvPicPr>
+        <p:blipFill>
+          <a:blip r:embed="rId3">
+            <a:alphaModFix/>
+          </a:blip>
+          <a:stretch>
+            <a:fillRect/>
+          </a:stretch>
+        </p:blipFill>
+        <p:spPr>
+          <a:xfrm>
+            <a:off x="90200" y="1715375"/>
+            <a:ext cx="4021324" cy="3256300"/>
+          </a:xfrm>
+          <a:prstGeom prst="rect">
+            <a:avLst/>
+          </a:prstGeom>
+          <a:noFill/>
+          <a:ln>
+            <a:noFill/>
+          </a:ln>
+        </p:spPr>
+      </p:pic>
+      <p:sp>
+        <p:nvSpPr>
+          <p:cNvPr id="116" name="Google Shape;116;p22"/>
+          <p:cNvSpPr txBox="1"/>
+          <p:nvPr>
+            <p:ph idx="1" type="body"/>
+          </p:nvPr>
+        </p:nvSpPr>
+        <p:spPr>
+          <a:xfrm>
+            <a:off x="4728438" y="1167025"/>
+            <a:ext cx="4655100" cy="3416400"/>
+          </a:xfrm>
+          <a:prstGeom prst="rect">
+            <a:avLst/>
+          </a:prstGeom>
+        </p:spPr>
+        <p:txBody>
+          <a:bodyPr anchorCtr="0" anchor="t" bIns="91425" lIns="91425" spcFirstLastPara="1" rIns="91425" wrap="square" tIns="91425">
+            <a:normAutofit/>
+          </a:bodyPr>
+          <a:lstStyle/>
+          <a:p>
+            <a:pPr indent="0" lvl="0" marL="0" rtl="0" algn="l">
+              <a:spcBef>
+                <a:spcPts val="0"/>
+              </a:spcBef>
+              <a:spcAft>
+                <a:spcPts val="0"/>
+              </a:spcAft>
+              <a:buNone/>
+            </a:pPr>
+            <a:r>
+              <a:rPr lang="ko"/>
+              <a:t>Crawling result</a:t>
+            </a:r>
+            <a:endParaRPr/>
+          </a:p>
+          <a:p>
+            <a:pPr indent="0" lvl="0" marL="0" rtl="0" algn="l">
+              <a:spcBef>
+                <a:spcPts val="1200"/>
+              </a:spcBef>
+              <a:spcAft>
+                <a:spcPts val="1200"/>
+              </a:spcAft>
+              <a:buNone/>
+            </a:pPr>
+            <a:r>
+              <a:t/>
+            </a:r>
+            <a:endParaRPr/>
+          </a:p>
+        </p:txBody>
+      </p:sp>
+      <p:pic>
+        <p:nvPicPr>
+          <p:cNvPr id="117" name="Google Shape;117;p22"/>
+          <p:cNvPicPr preferRelativeResize="0"/>
+          <p:nvPr/>
+        </p:nvPicPr>
+        <p:blipFill>
+          <a:blip r:embed="rId4">
+            <a:alphaModFix/>
+          </a:blip>
+          <a:stretch>
+            <a:fillRect/>
+          </a:stretch>
+        </p:blipFill>
+        <p:spPr>
+          <a:xfrm>
+            <a:off x="4111525" y="2085400"/>
+            <a:ext cx="4720775" cy="2738250"/>
+          </a:xfrm>
+          <a:prstGeom prst="rect">
+            <a:avLst/>
+          </a:prstGeom>
+          <a:noFill/>
+          <a:ln>
+            <a:noFill/>
+          </a:ln>
+        </p:spPr>
+      </p:pic>
+    </p:spTree>
+  </p:cSld>
+  <p:clrMapOvr>
+    <a:masterClrMapping/>
+  </p:clrMapOvr>
+</p:sld>
+</file>
+
+<file path=ppt/slides/slide11.xml><?xml version="1.0" encoding="utf-8"?>
+<p:sld xmlns:a="http://schemas.openxmlformats.org/drawingml/2006/main" xmlns:r="http://schemas.openxmlformats.org/officeDocument/2006/relationships" xmlns:mc="http://schemas.openxmlformats.org/markup-compatibility/2006" xmlns:mv="urn:schemas-microsoft-com:mac:vml" xmlns:p="http://schemas.openxmlformats.org/presentationml/2006/main" xmlns:c="http://schemas.openxmlformats.org/drawingml/2006/chart" xmlns:dgm="http://schemas.openxmlformats.org/drawingml/2006/diagram" xmlns:o="urn:schemas-microsoft-com:office:office" xmlns:v="urn:schemas-microsoft-com:vml" xmlns:pvml="urn:schemas-microsoft-com:office:powerpoint" xmlns:com="http://schemas.openxmlformats.org/drawingml/2006/compatibility" xmlns:p14="http://schemas.microsoft.com/office/powerpoint/2010/main" xmlns:p15="http://schemas.microsoft.com/office/powerpoint/2012/main" xmlns:ahyp="http://schemas.microsoft.com/office/drawing/2018/hyperlinkcolor">
+  <p:cSld>
+    <p:spTree>
+      <p:nvGrpSpPr>
+        <p:cNvPr id="121" name="Shape 121"/>
+        <p:cNvGrpSpPr/>
+        <p:nvPr/>
+      </p:nvGrpSpPr>
+      <p:grpSpPr>
+        <a:xfrm>
+          <a:off x="0" y="0"/>
+          <a:ext cx="0" cy="0"/>
+          <a:chOff x="0" y="0"/>
+          <a:chExt cx="0" cy="0"/>
+        </a:xfrm>
+      </p:grpSpPr>
+      <p:sp>
+        <p:nvSpPr>
+          <p:cNvPr id="122" name="Google Shape;122;p23"/>
+          <p:cNvSpPr txBox="1"/>
+          <p:nvPr>
+            <p:ph type="title"/>
+          </p:nvPr>
+        </p:nvSpPr>
+        <p:spPr>
+          <a:xfrm>
+            <a:off x="311700" y="445025"/>
+            <a:ext cx="8520600" cy="572700"/>
+          </a:xfrm>
+          <a:prstGeom prst="rect">
+            <a:avLst/>
+          </a:prstGeom>
+        </p:spPr>
+        <p:txBody>
+          <a:bodyPr anchorCtr="0" anchor="t" bIns="91425" lIns="91425" spcFirstLastPara="1" rIns="91425" wrap="square" tIns="91425">
+            <a:normAutofit fontScale="90000"/>
+          </a:bodyPr>
+          <a:lstStyle/>
+          <a:p>
+            <a:pPr indent="0" lvl="0" marL="0" rtl="0" algn="l">
+              <a:spcBef>
+                <a:spcPts val="0"/>
+              </a:spcBef>
+              <a:spcAft>
+                <a:spcPts val="0"/>
+              </a:spcAft>
+              <a:buNone/>
+            </a:pPr>
+            <a:r>
+              <a:rPr lang="ko"/>
+              <a:t>여기에 용주꺼 수집된 데이터</a:t>
+            </a:r>
+            <a:endParaRPr/>
+          </a:p>
+        </p:txBody>
+      </p:sp>
+      <p:sp>
+        <p:nvSpPr>
+          <p:cNvPr id="123" name="Google Shape;123;p23"/>
+          <p:cNvSpPr txBox="1"/>
+          <p:nvPr>
+            <p:ph idx="1" type="body"/>
+          </p:nvPr>
+        </p:nvSpPr>
+        <p:spPr>
+          <a:xfrm>
+            <a:off x="311700" y="1152475"/>
+            <a:ext cx="8520600" cy="3416400"/>
+          </a:xfrm>
+          <a:prstGeom prst="rect">
+            <a:avLst/>
+          </a:prstGeom>
+        </p:spPr>
+        <p:txBody>
+          <a:bodyPr anchorCtr="0" anchor="t" bIns="91425" lIns="91425" spcFirstLastPara="1" rIns="91425" wrap="square" tIns="91425">
+            <a:normAutofit/>
+          </a:bodyPr>
+          <a:lstStyle/>
+          <a:p>
+            <a:pPr indent="0" lvl="0" marL="0" rtl="0" algn="l">
+              <a:spcBef>
+                <a:spcPts val="0"/>
+              </a:spcBef>
+              <a:spcAft>
+                <a:spcPts val="1200"/>
+              </a:spcAft>
+              <a:buNone/>
+            </a:pPr>
+            <a:r>
+              <a:t/>
+            </a:r>
+            <a:endParaRPr/>
+          </a:p>
+        </p:txBody>
+      </p:sp>
+    </p:spTree>
+  </p:cSld>
+  <p:clrMapOvr>
+    <a:masterClrMapping/>
+  </p:clrMapOvr>
+</p:sld>
+</file>
+
+<file path=ppt/slides/slide12.xml><?xml version="1.0" encoding="utf-8"?>
+<p:sld xmlns:a="http://schemas.openxmlformats.org/drawingml/2006/main" xmlns:r="http://schemas.openxmlformats.org/officeDocument/2006/relationships" xmlns:mc="http://schemas.openxmlformats.org/markup-compatibility/2006" xmlns:mv="urn:schemas-microsoft-com:mac:vml" xmlns:p="http://schemas.openxmlformats.org/presentationml/2006/main" xmlns:c="http://schemas.openxmlformats.org/drawingml/2006/chart" xmlns:dgm="http://schemas.openxmlformats.org/drawingml/2006/diagram" xmlns:o="urn:schemas-microsoft-com:office:office" xmlns:v="urn:schemas-microsoft-com:vml" xmlns:pvml="urn:schemas-microsoft-com:office:powerpoint" xmlns:com="http://schemas.openxmlformats.org/drawingml/2006/compatibility" xmlns:p14="http://schemas.microsoft.com/office/powerpoint/2010/main" xmlns:p15="http://schemas.microsoft.com/office/powerpoint/2012/main" xmlns:ahyp="http://schemas.microsoft.com/office/drawing/2018/hyperlinkcolor">
+  <p:cSld>
+    <p:spTree>
+      <p:nvGrpSpPr>
+        <p:cNvPr id="127" name="Shape 127"/>
+        <p:cNvGrpSpPr/>
+        <p:nvPr/>
+      </p:nvGrpSpPr>
+      <p:grpSpPr>
+        <a:xfrm>
+          <a:off x="0" y="0"/>
+          <a:ext cx="0" cy="0"/>
+          <a:chOff x="0" y="0"/>
+          <a:chExt cx="0" cy="0"/>
+        </a:xfrm>
+      </p:grpSpPr>
+      <p:sp>
+        <p:nvSpPr>
+          <p:cNvPr id="128" name="Google Shape;128;p24"/>
+          <p:cNvSpPr txBox="1"/>
+          <p:nvPr>
+            <p:ph type="title"/>
+          </p:nvPr>
+        </p:nvSpPr>
+        <p:spPr>
+          <a:xfrm>
+            <a:off x="311700" y="445025"/>
+            <a:ext cx="8520600" cy="572700"/>
+          </a:xfrm>
+          <a:prstGeom prst="rect">
+            <a:avLst/>
+          </a:prstGeom>
+        </p:spPr>
+        <p:txBody>
+          <a:bodyPr anchorCtr="0" anchor="t" bIns="91425" lIns="91425" spcFirstLastPara="1" rIns="91425" wrap="square" tIns="91425">
+            <a:normAutofit fontScale="90000"/>
+          </a:bodyPr>
+          <a:lstStyle/>
+          <a:p>
+            <a:pPr indent="0" lvl="0" marL="0" rtl="0" algn="l">
+              <a:spcBef>
+                <a:spcPts val="0"/>
+              </a:spcBef>
+              <a:spcAft>
+                <a:spcPts val="0"/>
+              </a:spcAft>
+              <a:buNone/>
+            </a:pPr>
+            <a:r>
+              <a:rPr lang="ko"/>
+              <a:t>Data used(3) - 여행사업 데이터</a:t>
+            </a:r>
+            <a:endParaRPr/>
+          </a:p>
+        </p:txBody>
+      </p:sp>
+      <p:sp>
+        <p:nvSpPr>
+          <p:cNvPr id="129" name="Google Shape;129;p24"/>
+          <p:cNvSpPr txBox="1"/>
+          <p:nvPr>
+            <p:ph idx="1" type="body"/>
+          </p:nvPr>
+        </p:nvSpPr>
+        <p:spPr>
+          <a:xfrm>
+            <a:off x="311700" y="1152475"/>
+            <a:ext cx="8520600" cy="3416400"/>
+          </a:xfrm>
+          <a:prstGeom prst="rect">
+            <a:avLst/>
+          </a:prstGeom>
+        </p:spPr>
+        <p:txBody>
+          <a:bodyPr anchorCtr="0" anchor="t" bIns="91425" lIns="91425" spcFirstLastPara="1" rIns="91425" wrap="square" tIns="91425">
+            <a:normAutofit/>
+          </a:bodyPr>
+          <a:lstStyle/>
+          <a:p>
+            <a:pPr indent="0" lvl="0" marL="0" rtl="0" algn="l">
+              <a:spcBef>
+                <a:spcPts val="0"/>
+              </a:spcBef>
+              <a:spcAft>
+                <a:spcPts val="0"/>
+              </a:spcAft>
+              <a:buNone/>
+            </a:pPr>
+            <a:r>
+              <a:rPr lang="ko"/>
+              <a:t>코로나19 여행관련 xlsx</a:t>
+            </a:r>
+            <a:endParaRPr/>
+          </a:p>
+          <a:p>
+            <a:pPr indent="0" lvl="0" marL="0" rtl="0" algn="l">
+              <a:spcBef>
+                <a:spcPts val="1200"/>
+              </a:spcBef>
+              <a:spcAft>
+                <a:spcPts val="0"/>
+              </a:spcAft>
+              <a:buNone/>
+            </a:pPr>
+            <a:r>
+              <a:t/>
+            </a:r>
+            <a:endParaRPr/>
+          </a:p>
+          <a:p>
+            <a:pPr indent="0" lvl="0" marL="0" rtl="0" algn="l">
+              <a:spcBef>
+                <a:spcPts val="1200"/>
+              </a:spcBef>
+              <a:spcAft>
+                <a:spcPts val="0"/>
+              </a:spcAft>
+              <a:buNone/>
+            </a:pPr>
+            <a:r>
+              <a:t/>
+            </a:r>
+            <a:endParaRPr/>
+          </a:p>
+          <a:p>
+            <a:pPr indent="0" lvl="0" marL="0" rtl="0" algn="l">
+              <a:spcBef>
+                <a:spcPts val="1200"/>
+              </a:spcBef>
+              <a:spcAft>
+                <a:spcPts val="0"/>
+              </a:spcAft>
+              <a:buNone/>
+            </a:pPr>
+            <a:r>
+              <a:t/>
+            </a:r>
+            <a:endParaRPr/>
+          </a:p>
+          <a:p>
+            <a:pPr indent="0" lvl="0" marL="0" rtl="0" algn="l">
+              <a:spcBef>
+                <a:spcPts val="1200"/>
+              </a:spcBef>
+              <a:spcAft>
+                <a:spcPts val="1200"/>
+              </a:spcAft>
+              <a:buNone/>
+            </a:pPr>
+            <a:r>
+              <a:t/>
+            </a:r>
+            <a:endParaRPr/>
+          </a:p>
+        </p:txBody>
+      </p:sp>
+      <p:pic>
+        <p:nvPicPr>
+          <p:cNvPr id="130" name="Google Shape;130;p24"/>
+          <p:cNvPicPr preferRelativeResize="0"/>
+          <p:nvPr/>
+        </p:nvPicPr>
+        <p:blipFill>
+          <a:blip r:embed="rId3">
+            <a:alphaModFix/>
+          </a:blip>
+          <a:stretch>
+            <a:fillRect/>
+          </a:stretch>
+        </p:blipFill>
+        <p:spPr>
+          <a:xfrm>
+            <a:off x="160600" y="1917975"/>
+            <a:ext cx="8856201" cy="2679150"/>
+          </a:xfrm>
+          <a:prstGeom prst="rect">
+            <a:avLst/>
+          </a:prstGeom>
+          <a:noFill/>
+          <a:ln>
+            <a:noFill/>
+          </a:ln>
+        </p:spPr>
+      </p:pic>
+    </p:spTree>
+  </p:cSld>
+  <p:clrMapOvr>
+    <a:masterClrMapping/>
+  </p:clrMapOvr>
+</p:sld>
+</file>
+
+<file path=ppt/slides/slide13.xml><?xml version="1.0" encoding="utf-8"?>
+<p:sld xmlns:a="http://schemas.openxmlformats.org/drawingml/2006/main" xmlns:r="http://schemas.openxmlformats.org/officeDocument/2006/relationships" xmlns:mc="http://schemas.openxmlformats.org/markup-compatibility/2006" xmlns:mv="urn:schemas-microsoft-com:mac:vml" xmlns:p="http://schemas.openxmlformats.org/presentationml/2006/main" xmlns:c="http://schemas.openxmlformats.org/drawingml/2006/chart" xmlns:dgm="http://schemas.openxmlformats.org/drawingml/2006/diagram" xmlns:o="urn:schemas-microsoft-com:office:office" xmlns:v="urn:schemas-microsoft-com:vml" xmlns:pvml="urn:schemas-microsoft-com:office:powerpoint" xmlns:com="http://schemas.openxmlformats.org/drawingml/2006/compatibility" xmlns:p14="http://schemas.microsoft.com/office/powerpoint/2010/main" xmlns:p15="http://schemas.microsoft.com/office/powerpoint/2012/main" xmlns:ahyp="http://schemas.microsoft.com/office/drawing/2018/hyperlinkcolor">
+  <p:cSld>
+    <p:spTree>
+      <p:nvGrpSpPr>
+        <p:cNvPr id="134" name="Shape 134"/>
+        <p:cNvGrpSpPr/>
+        <p:nvPr/>
+      </p:nvGrpSpPr>
+      <p:grpSpPr>
+        <a:xfrm>
+          <a:off x="0" y="0"/>
+          <a:ext cx="0" cy="0"/>
+          <a:chOff x="0" y="0"/>
+          <a:chExt cx="0" cy="0"/>
+        </a:xfrm>
+      </p:grpSpPr>
+      <p:sp>
+        <p:nvSpPr>
+          <p:cNvPr id="135" name="Google Shape;135;p25"/>
+          <p:cNvSpPr txBox="1"/>
+          <p:nvPr>
+            <p:ph type="title"/>
+          </p:nvPr>
+        </p:nvSpPr>
+        <p:spPr>
+          <a:xfrm>
+            <a:off x="311700" y="445025"/>
+            <a:ext cx="8520600" cy="572700"/>
+          </a:xfrm>
+          <a:prstGeom prst="rect">
+            <a:avLst/>
+          </a:prstGeom>
+        </p:spPr>
+        <p:txBody>
+          <a:bodyPr anchorCtr="0" anchor="t" bIns="91425" lIns="91425" spcFirstLastPara="1" rIns="91425" wrap="square" tIns="91425">
+            <a:normAutofit fontScale="90000"/>
+          </a:bodyPr>
+          <a:lstStyle/>
+          <a:p>
+            <a:pPr indent="0" lvl="0" marL="0" rtl="0" algn="l">
+              <a:spcBef>
+                <a:spcPts val="0"/>
+              </a:spcBef>
+              <a:spcAft>
+                <a:spcPts val="0"/>
+              </a:spcAft>
+              <a:buNone/>
+            </a:pPr>
+            <a:r>
+              <a:rPr lang="ko"/>
+              <a:t>Preprocessing(1) - 크롤링 데이터</a:t>
+            </a:r>
+            <a:endParaRPr/>
+          </a:p>
+        </p:txBody>
+      </p:sp>
+      <p:sp>
+        <p:nvSpPr>
+          <p:cNvPr id="136" name="Google Shape;136;p25"/>
+          <p:cNvSpPr txBox="1"/>
+          <p:nvPr>
+            <p:ph idx="1" type="body"/>
+          </p:nvPr>
+        </p:nvSpPr>
+        <p:spPr>
+          <a:xfrm>
+            <a:off x="311700" y="1152475"/>
+            <a:ext cx="3999900" cy="3416400"/>
+          </a:xfrm>
+          <a:prstGeom prst="rect">
+            <a:avLst/>
+          </a:prstGeom>
+        </p:spPr>
+        <p:txBody>
+          <a:bodyPr anchorCtr="0" anchor="t" bIns="91425" lIns="91425" spcFirstLastPara="1" rIns="91425" wrap="square" tIns="91425">
+            <a:normAutofit/>
+          </a:bodyPr>
+          <a:lstStyle/>
+          <a:p>
+            <a:pPr indent="0" lvl="0" marL="0" rtl="0" algn="l">
+              <a:spcBef>
+                <a:spcPts val="0"/>
+              </a:spcBef>
+              <a:spcAft>
+                <a:spcPts val="1200"/>
+              </a:spcAft>
+              <a:buNone/>
+            </a:pPr>
+            <a:r>
+              <a:t/>
+            </a:r>
+            <a:endParaRPr/>
+          </a:p>
+        </p:txBody>
+      </p:sp>
+      <p:pic>
+        <p:nvPicPr>
+          <p:cNvPr id="137" name="Google Shape;137;p25"/>
+          <p:cNvPicPr preferRelativeResize="0"/>
+          <p:nvPr/>
+        </p:nvPicPr>
+        <p:blipFill>
+          <a:blip r:embed="rId3">
+            <a:alphaModFix/>
+          </a:blip>
+          <a:stretch>
+            <a:fillRect/>
+          </a:stretch>
+        </p:blipFill>
+        <p:spPr>
+          <a:xfrm>
+            <a:off x="159300" y="1152475"/>
+            <a:ext cx="4400349" cy="3671175"/>
+          </a:xfrm>
+          <a:prstGeom prst="rect">
+            <a:avLst/>
+          </a:prstGeom>
+          <a:noFill/>
+          <a:ln>
+            <a:noFill/>
+          </a:ln>
+        </p:spPr>
+      </p:pic>
+      <p:sp>
+        <p:nvSpPr>
+          <p:cNvPr id="138" name="Google Shape;138;p25"/>
+          <p:cNvSpPr txBox="1"/>
+          <p:nvPr>
+            <p:ph idx="2" type="body"/>
+          </p:nvPr>
+        </p:nvSpPr>
+        <p:spPr>
+          <a:xfrm>
+            <a:off x="4733725" y="1017725"/>
+            <a:ext cx="3999900" cy="3416400"/>
+          </a:xfrm>
+          <a:prstGeom prst="rect">
+            <a:avLst/>
+          </a:prstGeom>
+        </p:spPr>
+        <p:txBody>
+          <a:bodyPr anchorCtr="0" anchor="t" bIns="91425" lIns="91425" spcFirstLastPara="1" rIns="91425" wrap="square" tIns="91425">
+            <a:normAutofit/>
+          </a:bodyPr>
+          <a:lstStyle/>
+          <a:p>
+            <a:pPr indent="0" lvl="0" marL="0" rtl="0" algn="l">
+              <a:spcBef>
+                <a:spcPts val="0"/>
+              </a:spcBef>
+              <a:spcAft>
+                <a:spcPts val="1200"/>
+              </a:spcAft>
+              <a:buNone/>
+            </a:pPr>
+            <a:r>
+              <a:t/>
+            </a:r>
+            <a:endParaRPr/>
+          </a:p>
+        </p:txBody>
+      </p:sp>
+      <p:pic>
+        <p:nvPicPr>
+          <p:cNvPr id="139" name="Google Shape;139;p25"/>
+          <p:cNvPicPr preferRelativeResize="0"/>
+          <p:nvPr/>
+        </p:nvPicPr>
+        <p:blipFill>
+          <a:blip r:embed="rId4">
+            <a:alphaModFix/>
+          </a:blip>
+          <a:stretch>
+            <a:fillRect/>
+          </a:stretch>
+        </p:blipFill>
+        <p:spPr>
+          <a:xfrm>
+            <a:off x="4635850" y="1689025"/>
+            <a:ext cx="4294600" cy="2598075"/>
+          </a:xfrm>
+          <a:prstGeom prst="rect">
+            <a:avLst/>
+          </a:prstGeom>
+          <a:noFill/>
+          <a:ln>
+            <a:noFill/>
+          </a:ln>
+        </p:spPr>
+      </p:pic>
+    </p:spTree>
+  </p:cSld>
+  <p:clrMapOvr>
+    <a:masterClrMapping/>
+  </p:clrMapOvr>
+</p:sld>
+</file>
+
+<file path=ppt/slides/slide14.xml><?xml version="1.0" encoding="utf-8"?>
+<p:sld xmlns:a="http://schemas.openxmlformats.org/drawingml/2006/main" xmlns:r="http://schemas.openxmlformats.org/officeDocument/2006/relationships" xmlns:mc="http://schemas.openxmlformats.org/markup-compatibility/2006" xmlns:mv="urn:schemas-microsoft-com:mac:vml" xmlns:p="http://schemas.openxmlformats.org/presentationml/2006/main" xmlns:c="http://schemas.openxmlformats.org/drawingml/2006/chart" xmlns:dgm="http://schemas.openxmlformats.org/drawingml/2006/diagram" xmlns:o="urn:schemas-microsoft-com:office:office" xmlns:v="urn:schemas-microsoft-com:vml" xmlns:pvml="urn:schemas-microsoft-com:office:powerpoint" xmlns:com="http://schemas.openxmlformats.org/drawingml/2006/compatibility" xmlns:p14="http://schemas.microsoft.com/office/powerpoint/2010/main" xmlns:p15="http://schemas.microsoft.com/office/powerpoint/2012/main" xmlns:ahyp="http://schemas.microsoft.com/office/drawing/2018/hyperlinkcolor">
+  <p:cSld>
+    <p:spTree>
+      <p:nvGrpSpPr>
+        <p:cNvPr id="143" name="Shape 143"/>
+        <p:cNvGrpSpPr/>
+        <p:nvPr/>
+      </p:nvGrpSpPr>
+      <p:grpSpPr>
+        <a:xfrm>
+          <a:off x="0" y="0"/>
+          <a:ext cx="0" cy="0"/>
+          <a:chOff x="0" y="0"/>
+          <a:chExt cx="0" cy="0"/>
+        </a:xfrm>
+      </p:grpSpPr>
+      <p:sp>
+        <p:nvSpPr>
+          <p:cNvPr id="144" name="Google Shape;144;p26"/>
+          <p:cNvSpPr txBox="1"/>
+          <p:nvPr>
+            <p:ph type="title"/>
+          </p:nvPr>
+        </p:nvSpPr>
+        <p:spPr>
+          <a:xfrm>
+            <a:off x="311700" y="445025"/>
+            <a:ext cx="8520600" cy="572700"/>
+          </a:xfrm>
+          <a:prstGeom prst="rect">
+            <a:avLst/>
+          </a:prstGeom>
+        </p:spPr>
+        <p:txBody>
+          <a:bodyPr anchorCtr="0" anchor="t" bIns="91425" lIns="91425" spcFirstLastPara="1" rIns="91425" wrap="square" tIns="91425">
+            <a:normAutofit fontScale="90000"/>
+          </a:bodyPr>
+          <a:lstStyle/>
+          <a:p>
+            <a:pPr indent="0" lvl="0" marL="0" rtl="0" algn="l">
+              <a:spcBef>
+                <a:spcPts val="0"/>
+              </a:spcBef>
+              <a:spcAft>
+                <a:spcPts val="0"/>
+              </a:spcAft>
+              <a:buNone/>
+            </a:pPr>
+            <a:r>
+              <a:rPr lang="ko"/>
+              <a:t>Preprocessing(1) - 크롤링 데이터</a:t>
+            </a:r>
+            <a:endParaRPr/>
+          </a:p>
+        </p:txBody>
+      </p:sp>
+      <p:sp>
+        <p:nvSpPr>
+          <p:cNvPr id="145" name="Google Shape;145;p26"/>
+          <p:cNvSpPr txBox="1"/>
+          <p:nvPr>
+            <p:ph idx="1" type="body"/>
+          </p:nvPr>
+        </p:nvSpPr>
+        <p:spPr>
+          <a:xfrm>
+            <a:off x="311700" y="1152475"/>
+            <a:ext cx="8520600" cy="3416400"/>
+          </a:xfrm>
+          <a:prstGeom prst="rect">
+            <a:avLst/>
+          </a:prstGeom>
+        </p:spPr>
+        <p:txBody>
+          <a:bodyPr anchorCtr="0" anchor="t" bIns="91425" lIns="91425" spcFirstLastPara="1" rIns="91425" wrap="square" tIns="91425">
+            <a:normAutofit lnSpcReduction="10000"/>
+          </a:bodyPr>
+          <a:lstStyle/>
+          <a:p>
+            <a:pPr indent="0" lvl="0" marL="0" rtl="0" algn="l">
+              <a:spcBef>
+                <a:spcPts val="0"/>
+              </a:spcBef>
+              <a:spcAft>
+                <a:spcPts val="0"/>
+              </a:spcAft>
+              <a:buNone/>
+            </a:pPr>
+            <a:r>
+              <a:rPr lang="ko"/>
+              <a:t>Null value handling</a:t>
+            </a:r>
+            <a:endParaRPr/>
+          </a:p>
+          <a:p>
+            <a:pPr indent="-323850" lvl="0" marL="457200" rtl="0" algn="l">
+              <a:spcBef>
+                <a:spcPts val="1200"/>
+              </a:spcBef>
+              <a:spcAft>
+                <a:spcPts val="0"/>
+              </a:spcAft>
+              <a:buSzPts val="1500"/>
+              <a:buAutoNum type="arabicPeriod"/>
+            </a:pPr>
+            <a:r>
+              <a:rPr lang="ko" sz="1500"/>
+              <a:t>‘퇴원현황’ value handling</a:t>
+            </a:r>
+            <a:endParaRPr sz="1500"/>
+          </a:p>
+          <a:p>
+            <a:pPr indent="-323850" lvl="0" marL="457200" rtl="0" algn="l">
+              <a:spcBef>
+                <a:spcPts val="0"/>
+              </a:spcBef>
+              <a:spcAft>
+                <a:spcPts val="0"/>
+              </a:spcAft>
+              <a:buSzPts val="1500"/>
+              <a:buAutoNum type="arabicPeriod"/>
+            </a:pPr>
+            <a:r>
+              <a:rPr lang="ko" sz="1500"/>
+              <a:t>corona_data['퇴원현황'].fillna('퇴원전')</a:t>
+            </a:r>
+            <a:endParaRPr sz="1500"/>
+          </a:p>
+          <a:p>
+            <a:pPr indent="0" lvl="0" marL="457200" rtl="0" algn="l">
+              <a:spcBef>
+                <a:spcPts val="1200"/>
+              </a:spcBef>
+              <a:spcAft>
+                <a:spcPts val="0"/>
+              </a:spcAft>
+              <a:buNone/>
+            </a:pPr>
+            <a:r>
+              <a:t/>
+            </a:r>
+            <a:endParaRPr/>
+          </a:p>
+          <a:p>
+            <a:pPr indent="0" lvl="0" marL="0" rtl="0" algn="l">
+              <a:spcBef>
+                <a:spcPts val="1200"/>
+              </a:spcBef>
+              <a:spcAft>
+                <a:spcPts val="0"/>
+              </a:spcAft>
+              <a:buNone/>
+            </a:pPr>
+            <a:r>
+              <a:t/>
+            </a:r>
+            <a:endParaRPr/>
+          </a:p>
+          <a:p>
+            <a:pPr indent="0" lvl="0" marL="0" rtl="0" algn="l">
+              <a:spcBef>
+                <a:spcPts val="1200"/>
+              </a:spcBef>
+              <a:spcAft>
+                <a:spcPts val="0"/>
+              </a:spcAft>
+              <a:buNone/>
+            </a:pPr>
+            <a:r>
+              <a:t/>
+            </a:r>
+            <a:endParaRPr/>
+          </a:p>
+          <a:p>
+            <a:pPr indent="0" lvl="0" marL="0" rtl="0" algn="l">
+              <a:spcBef>
+                <a:spcPts val="1200"/>
+              </a:spcBef>
+              <a:spcAft>
+                <a:spcPts val="0"/>
+              </a:spcAft>
+              <a:buNone/>
+            </a:pPr>
+            <a:r>
+              <a:t/>
+            </a:r>
+            <a:endParaRPr/>
+          </a:p>
+          <a:p>
+            <a:pPr indent="0" lvl="0" marL="0" rtl="0" algn="l">
+              <a:spcBef>
+                <a:spcPts val="1200"/>
+              </a:spcBef>
+              <a:spcAft>
+                <a:spcPts val="1200"/>
+              </a:spcAft>
+              <a:buNone/>
+            </a:pPr>
+            <a:r>
+              <a:t/>
+            </a:r>
+            <a:endParaRPr/>
+          </a:p>
+        </p:txBody>
+      </p:sp>
+      <p:pic>
+        <p:nvPicPr>
+          <p:cNvPr id="146" name="Google Shape;146;p26"/>
+          <p:cNvPicPr preferRelativeResize="0"/>
+          <p:nvPr/>
+        </p:nvPicPr>
+        <p:blipFill>
+          <a:blip r:embed="rId3">
+            <a:alphaModFix/>
+          </a:blip>
+          <a:stretch>
+            <a:fillRect/>
+          </a:stretch>
+        </p:blipFill>
+        <p:spPr>
+          <a:xfrm>
+            <a:off x="147075" y="2199425"/>
+            <a:ext cx="4515625" cy="2902850"/>
+          </a:xfrm>
+          <a:prstGeom prst="rect">
+            <a:avLst/>
+          </a:prstGeom>
+          <a:noFill/>
+          <a:ln>
+            <a:noFill/>
+          </a:ln>
+        </p:spPr>
+      </p:pic>
+      <p:sp>
+        <p:nvSpPr>
+          <p:cNvPr id="147" name="Google Shape;147;p26"/>
+          <p:cNvSpPr txBox="1"/>
+          <p:nvPr>
+            <p:ph idx="1" type="body"/>
+          </p:nvPr>
+        </p:nvSpPr>
+        <p:spPr>
+          <a:xfrm>
+            <a:off x="4909400" y="1170125"/>
+            <a:ext cx="3798900" cy="3416400"/>
+          </a:xfrm>
+          <a:prstGeom prst="rect">
+            <a:avLst/>
+          </a:prstGeom>
+        </p:spPr>
+        <p:txBody>
+          <a:bodyPr anchorCtr="0" anchor="t" bIns="91425" lIns="91425" spcFirstLastPara="1" rIns="91425" wrap="square" tIns="91425">
+            <a:normAutofit/>
+          </a:bodyPr>
+          <a:lstStyle/>
+          <a:p>
+            <a:pPr indent="0" lvl="0" marL="0" rtl="0" algn="l">
+              <a:spcBef>
+                <a:spcPts val="0"/>
+              </a:spcBef>
+              <a:spcAft>
+                <a:spcPts val="0"/>
+              </a:spcAft>
+              <a:buNone/>
+            </a:pPr>
+            <a:r>
+              <a:t/>
+            </a:r>
+            <a:endParaRPr/>
+          </a:p>
+          <a:p>
+            <a:pPr indent="0" lvl="0" marL="0" rtl="0" algn="l">
+              <a:spcBef>
+                <a:spcPts val="1200"/>
+              </a:spcBef>
+              <a:spcAft>
+                <a:spcPts val="0"/>
+              </a:spcAft>
+              <a:buNone/>
+            </a:pPr>
+            <a:r>
+              <a:rPr lang="ko" sz="1500"/>
+              <a:t>2. ‘여행력’ value handling</a:t>
+            </a:r>
+            <a:endParaRPr sz="1500"/>
+          </a:p>
+          <a:p>
+            <a:pPr indent="0" lvl="0" marL="0" rtl="0" algn="l">
+              <a:spcBef>
+                <a:spcPts val="1200"/>
+              </a:spcBef>
+              <a:spcAft>
+                <a:spcPts val="0"/>
+              </a:spcAft>
+              <a:buNone/>
+            </a:pPr>
+            <a:r>
+              <a:t/>
+            </a:r>
+            <a:endParaRPr/>
+          </a:p>
+          <a:p>
+            <a:pPr indent="0" lvl="0" marL="0" rtl="0" algn="l">
+              <a:spcBef>
+                <a:spcPts val="1200"/>
+              </a:spcBef>
+              <a:spcAft>
+                <a:spcPts val="0"/>
+              </a:spcAft>
+              <a:buNone/>
+            </a:pPr>
+            <a:r>
+              <a:t/>
+            </a:r>
+            <a:endParaRPr/>
+          </a:p>
+          <a:p>
+            <a:pPr indent="0" lvl="0" marL="0" rtl="0" algn="l">
+              <a:spcBef>
+                <a:spcPts val="1200"/>
+              </a:spcBef>
+              <a:spcAft>
+                <a:spcPts val="1200"/>
+              </a:spcAft>
+              <a:buNone/>
+            </a:pPr>
+            <a:r>
+              <a:t/>
+            </a:r>
+            <a:endParaRPr/>
+          </a:p>
+        </p:txBody>
+      </p:sp>
+      <p:pic>
+        <p:nvPicPr>
+          <p:cNvPr id="148" name="Google Shape;148;p26"/>
+          <p:cNvPicPr preferRelativeResize="0"/>
+          <p:nvPr/>
+        </p:nvPicPr>
+        <p:blipFill>
+          <a:blip r:embed="rId4">
+            <a:alphaModFix/>
+          </a:blip>
+          <a:stretch>
+            <a:fillRect/>
+          </a:stretch>
+        </p:blipFill>
+        <p:spPr>
+          <a:xfrm>
+            <a:off x="4909400" y="2367950"/>
+            <a:ext cx="3601675" cy="1569825"/>
+          </a:xfrm>
+          <a:prstGeom prst="rect">
+            <a:avLst/>
+          </a:prstGeom>
+          <a:noFill/>
+          <a:ln>
+            <a:noFill/>
+          </a:ln>
+        </p:spPr>
+      </p:pic>
+    </p:spTree>
+  </p:cSld>
+  <p:clrMapOvr>
+    <a:masterClrMapping/>
+  </p:clrMapOvr>
+</p:sld>
+</file>
+
+<file path=ppt/slides/slide15.xml><?xml version="1.0" encoding="utf-8"?>
+<p:sld xmlns:a="http://schemas.openxmlformats.org/drawingml/2006/main" xmlns:r="http://schemas.openxmlformats.org/officeDocument/2006/relationships" xmlns:mc="http://schemas.openxmlformats.org/markup-compatibility/2006" xmlns:mv="urn:schemas-microsoft-com:mac:vml" xmlns:p="http://schemas.openxmlformats.org/presentationml/2006/main" xmlns:c="http://schemas.openxmlformats.org/drawingml/2006/chart" xmlns:dgm="http://schemas.openxmlformats.org/drawingml/2006/diagram" xmlns:o="urn:schemas-microsoft-com:office:office" xmlns:v="urn:schemas-microsoft-com:vml" xmlns:pvml="urn:schemas-microsoft-com:office:powerpoint" xmlns:com="http://schemas.openxmlformats.org/drawingml/2006/compatibility" xmlns:p14="http://schemas.microsoft.com/office/powerpoint/2010/main" xmlns:p15="http://schemas.microsoft.com/office/powerpoint/2012/main" xmlns:ahyp="http://schemas.microsoft.com/office/drawing/2018/hyperlinkcolor">
+  <p:cSld>
+    <p:spTree>
+      <p:nvGrpSpPr>
+        <p:cNvPr id="152" name="Shape 152"/>
+        <p:cNvGrpSpPr/>
+        <p:nvPr/>
+      </p:nvGrpSpPr>
+      <p:grpSpPr>
+        <a:xfrm>
+          <a:off x="0" y="0"/>
+          <a:ext cx="0" cy="0"/>
+          <a:chOff x="0" y="0"/>
+          <a:chExt cx="0" cy="0"/>
+        </a:xfrm>
+      </p:grpSpPr>
+      <p:sp>
+        <p:nvSpPr>
+          <p:cNvPr id="153" name="Google Shape;153;p27"/>
+          <p:cNvSpPr txBox="1"/>
+          <p:nvPr>
+            <p:ph type="title"/>
+          </p:nvPr>
+        </p:nvSpPr>
+        <p:spPr>
+          <a:xfrm>
+            <a:off x="311700" y="445025"/>
+            <a:ext cx="8520600" cy="572700"/>
+          </a:xfrm>
+          <a:prstGeom prst="rect">
+            <a:avLst/>
+          </a:prstGeom>
+        </p:spPr>
+        <p:txBody>
+          <a:bodyPr anchorCtr="0" anchor="t" bIns="91425" lIns="91425" spcFirstLastPara="1" rIns="91425" wrap="square" tIns="91425">
+            <a:normAutofit fontScale="90000"/>
+          </a:bodyPr>
+          <a:lstStyle/>
+          <a:p>
+            <a:pPr indent="0" lvl="0" marL="0" rtl="0" algn="l">
+              <a:spcBef>
+                <a:spcPts val="0"/>
+              </a:spcBef>
+              <a:spcAft>
+                <a:spcPts val="0"/>
+              </a:spcAft>
+              <a:buNone/>
+            </a:pPr>
+            <a:r>
+              <a:rPr lang="ko"/>
+              <a:t>Preprocessing(2) - 용주꺼 전처리작업</a:t>
+            </a:r>
+            <a:endParaRPr/>
+          </a:p>
+        </p:txBody>
+      </p:sp>
+      <p:sp>
+        <p:nvSpPr>
+          <p:cNvPr id="154" name="Google Shape;154;p27"/>
+          <p:cNvSpPr txBox="1"/>
+          <p:nvPr>
+            <p:ph idx="1" type="body"/>
+          </p:nvPr>
+        </p:nvSpPr>
+        <p:spPr>
+          <a:xfrm>
+            <a:off x="311700" y="1152475"/>
+            <a:ext cx="8520600" cy="3416400"/>
+          </a:xfrm>
+          <a:prstGeom prst="rect">
+            <a:avLst/>
+          </a:prstGeom>
+        </p:spPr>
+        <p:txBody>
+          <a:bodyPr anchorCtr="0" anchor="t" bIns="91425" lIns="91425" spcFirstLastPara="1" rIns="91425" wrap="square" tIns="91425">
+            <a:normAutofit/>
+          </a:bodyPr>
+          <a:lstStyle/>
+          <a:p>
+            <a:pPr indent="0" lvl="0" marL="0" rtl="0" algn="l">
+              <a:spcBef>
+                <a:spcPts val="0"/>
+              </a:spcBef>
+              <a:spcAft>
+                <a:spcPts val="1200"/>
+              </a:spcAft>
+              <a:buNone/>
+            </a:pPr>
+            <a:r>
+              <a:t/>
+            </a:r>
+            <a:endParaRPr/>
+          </a:p>
+        </p:txBody>
+      </p:sp>
+    </p:spTree>
+  </p:cSld>
+  <p:clrMapOvr>
+    <a:masterClrMapping/>
+  </p:clrMapOvr>
+</p:sld>
+</file>
+
+<file path=ppt/slides/slide16.xml><?xml version="1.0" encoding="utf-8"?>
+<p:sld xmlns:a="http://schemas.openxmlformats.org/drawingml/2006/main" xmlns:r="http://schemas.openxmlformats.org/officeDocument/2006/relationships" xmlns:mc="http://schemas.openxmlformats.org/markup-compatibility/2006" xmlns:mv="urn:schemas-microsoft-com:mac:vml" xmlns:p="http://schemas.openxmlformats.org/presentationml/2006/main" xmlns:c="http://schemas.openxmlformats.org/drawingml/2006/chart" xmlns:dgm="http://schemas.openxmlformats.org/drawingml/2006/diagram" xmlns:o="urn:schemas-microsoft-com:office:office" xmlns:v="urn:schemas-microsoft-com:vml" xmlns:pvml="urn:schemas-microsoft-com:office:powerpoint" xmlns:com="http://schemas.openxmlformats.org/drawingml/2006/compatibility" xmlns:p14="http://schemas.microsoft.com/office/powerpoint/2010/main" xmlns:p15="http://schemas.microsoft.com/office/powerpoint/2012/main" xmlns:ahyp="http://schemas.microsoft.com/office/drawing/2018/hyperlinkcolor">
+  <p:cSld>
+    <p:spTree>
+      <p:nvGrpSpPr>
+        <p:cNvPr id="158" name="Shape 158"/>
+        <p:cNvGrpSpPr/>
+        <p:nvPr/>
+      </p:nvGrpSpPr>
+      <p:grpSpPr>
+        <a:xfrm>
+          <a:off x="0" y="0"/>
+          <a:ext cx="0" cy="0"/>
+          <a:chOff x="0" y="0"/>
+          <a:chExt cx="0" cy="0"/>
+        </a:xfrm>
+      </p:grpSpPr>
+      <p:sp>
+        <p:nvSpPr>
+          <p:cNvPr id="159" name="Google Shape;159;p28"/>
+          <p:cNvSpPr txBox="1"/>
+          <p:nvPr>
+            <p:ph type="title"/>
+          </p:nvPr>
+        </p:nvSpPr>
+        <p:spPr>
+          <a:xfrm>
+            <a:off x="311700" y="445025"/>
+            <a:ext cx="8520600" cy="572700"/>
+          </a:xfrm>
+          <a:prstGeom prst="rect">
+            <a:avLst/>
+          </a:prstGeom>
+        </p:spPr>
+        <p:txBody>
+          <a:bodyPr anchorCtr="0" anchor="t" bIns="91425" lIns="91425" spcFirstLastPara="1" rIns="91425" wrap="square" tIns="91425">
+            <a:normAutofit fontScale="90000"/>
+          </a:bodyPr>
+          <a:lstStyle/>
+          <a:p>
+            <a:pPr indent="0" lvl="0" marL="0" rtl="0" algn="l">
+              <a:spcBef>
+                <a:spcPts val="0"/>
+              </a:spcBef>
+              <a:spcAft>
+                <a:spcPts val="0"/>
+              </a:spcAft>
+              <a:buNone/>
+            </a:pPr>
+            <a:r>
+              <a:rPr lang="ko"/>
+              <a:t>Preprocessing</a:t>
+            </a:r>
+            <a:r>
+              <a:rPr lang="ko"/>
+              <a:t>(3) - 여행사업 데이터</a:t>
+            </a:r>
+            <a:endParaRPr/>
+          </a:p>
+        </p:txBody>
+      </p:sp>
+      <p:sp>
+        <p:nvSpPr>
+          <p:cNvPr id="160" name="Google Shape;160;p28"/>
+          <p:cNvSpPr txBox="1"/>
+          <p:nvPr>
+            <p:ph idx="1" type="body"/>
+          </p:nvPr>
+        </p:nvSpPr>
+        <p:spPr>
+          <a:xfrm>
+            <a:off x="311700" y="1152475"/>
+            <a:ext cx="6235500" cy="3416400"/>
+          </a:xfrm>
+          <a:prstGeom prst="rect">
+            <a:avLst/>
+          </a:prstGeom>
+        </p:spPr>
+        <p:txBody>
+          <a:bodyPr anchorCtr="0" anchor="t" bIns="91425" lIns="91425" spcFirstLastPara="1" rIns="91425" wrap="square" tIns="91425">
+            <a:normAutofit/>
+          </a:bodyPr>
+          <a:lstStyle/>
+          <a:p>
+            <a:pPr indent="0" lvl="0" marL="0" rtl="0" algn="l">
+              <a:spcBef>
+                <a:spcPts val="0"/>
+              </a:spcBef>
+              <a:spcAft>
+                <a:spcPts val="1200"/>
+              </a:spcAft>
+              <a:buNone/>
+            </a:pPr>
+            <a:r>
+              <a:rPr lang="ko"/>
+              <a:t>Data array code</a:t>
+            </a:r>
+            <a:endParaRPr/>
+          </a:p>
+        </p:txBody>
+      </p:sp>
+      <p:pic>
+        <p:nvPicPr>
+          <p:cNvPr id="161" name="Google Shape;161;p28"/>
+          <p:cNvPicPr preferRelativeResize="0"/>
+          <p:nvPr/>
+        </p:nvPicPr>
+        <p:blipFill>
+          <a:blip r:embed="rId3">
+            <a:alphaModFix/>
+          </a:blip>
+          <a:stretch>
+            <a:fillRect/>
+          </a:stretch>
+        </p:blipFill>
+        <p:spPr>
+          <a:xfrm>
+            <a:off x="6547275" y="1625175"/>
+            <a:ext cx="2019300" cy="2226500"/>
+          </a:xfrm>
+          <a:prstGeom prst="rect">
+            <a:avLst/>
+          </a:prstGeom>
+          <a:noFill/>
+          <a:ln>
+            <a:noFill/>
+          </a:ln>
+        </p:spPr>
+      </p:pic>
+      <p:pic>
+        <p:nvPicPr>
+          <p:cNvPr id="162" name="Google Shape;162;p28"/>
+          <p:cNvPicPr preferRelativeResize="0"/>
+          <p:nvPr/>
+        </p:nvPicPr>
+        <p:blipFill>
+          <a:blip r:embed="rId4">
+            <a:alphaModFix/>
+          </a:blip>
+          <a:stretch>
+            <a:fillRect/>
+          </a:stretch>
+        </p:blipFill>
+        <p:spPr>
+          <a:xfrm>
+            <a:off x="565725" y="2081514"/>
+            <a:ext cx="5619750" cy="1313825"/>
+          </a:xfrm>
+          <a:prstGeom prst="rect">
+            <a:avLst/>
+          </a:prstGeom>
+          <a:noFill/>
+          <a:ln>
+            <a:noFill/>
+          </a:ln>
+        </p:spPr>
+      </p:pic>
+      <p:sp>
+        <p:nvSpPr>
+          <p:cNvPr id="163" name="Google Shape;163;p28"/>
+          <p:cNvSpPr txBox="1"/>
+          <p:nvPr>
+            <p:ph idx="1" type="body"/>
+          </p:nvPr>
+        </p:nvSpPr>
+        <p:spPr>
+          <a:xfrm>
+            <a:off x="6547275" y="1152475"/>
+            <a:ext cx="3556800" cy="3416400"/>
+          </a:xfrm>
+          <a:prstGeom prst="rect">
+            <a:avLst/>
+          </a:prstGeom>
+        </p:spPr>
+        <p:txBody>
+          <a:bodyPr anchorCtr="0" anchor="t" bIns="91425" lIns="91425" spcFirstLastPara="1" rIns="91425" wrap="square" tIns="91425">
+            <a:normAutofit/>
+          </a:bodyPr>
+          <a:lstStyle/>
+          <a:p>
+            <a:pPr indent="0" lvl="0" marL="0" rtl="0" algn="l">
+              <a:spcBef>
+                <a:spcPts val="0"/>
+              </a:spcBef>
+              <a:spcAft>
+                <a:spcPts val="1200"/>
+              </a:spcAft>
+              <a:buNone/>
+            </a:pPr>
+            <a:r>
+              <a:rPr lang="ko"/>
+              <a:t>Result Df</a:t>
+            </a:r>
+            <a:endParaRPr/>
+          </a:p>
+        </p:txBody>
+      </p:sp>
+    </p:spTree>
+  </p:cSld>
+  <p:clrMapOvr>
+    <a:masterClrMapping/>
+  </p:clrMapOvr>
+</p:sld>
+</file>
+
+<file path=ppt/slides/slide17.xml><?xml version="1.0" encoding="utf-8"?>
+<p:sld xmlns:a="http://schemas.openxmlformats.org/drawingml/2006/main" xmlns:r="http://schemas.openxmlformats.org/officeDocument/2006/relationships" xmlns:mc="http://schemas.openxmlformats.org/markup-compatibility/2006" xmlns:mv="urn:schemas-microsoft-com:mac:vml" xmlns:p="http://schemas.openxmlformats.org/presentationml/2006/main" xmlns:c="http://schemas.openxmlformats.org/drawingml/2006/chart" xmlns:dgm="http://schemas.openxmlformats.org/drawingml/2006/diagram" xmlns:o="urn:schemas-microsoft-com:office:office" xmlns:v="urn:schemas-microsoft-com:vml" xmlns:pvml="urn:schemas-microsoft-com:office:powerpoint" xmlns:com="http://schemas.openxmlformats.org/drawingml/2006/compatibility" xmlns:p14="http://schemas.microsoft.com/office/powerpoint/2010/main" xmlns:p15="http://schemas.microsoft.com/office/powerpoint/2012/main" xmlns:ahyp="http://schemas.microsoft.com/office/drawing/2018/hyperlinkcolor">
+  <p:cSld>
+    <p:spTree>
+      <p:nvGrpSpPr>
+        <p:cNvPr id="167" name="Shape 167"/>
+        <p:cNvGrpSpPr/>
+        <p:nvPr/>
+      </p:nvGrpSpPr>
+      <p:grpSpPr>
+        <a:xfrm>
+          <a:off x="0" y="0"/>
+          <a:ext cx="0" cy="0"/>
+          <a:chOff x="0" y="0"/>
+          <a:chExt cx="0" cy="0"/>
+        </a:xfrm>
+      </p:grpSpPr>
+      <p:sp>
+        <p:nvSpPr>
+          <p:cNvPr id="168" name="Google Shape;168;p29"/>
+          <p:cNvSpPr txBox="1"/>
+          <p:nvPr>
+            <p:ph type="title"/>
+          </p:nvPr>
+        </p:nvSpPr>
+        <p:spPr>
+          <a:xfrm>
+            <a:off x="311700" y="445025"/>
+            <a:ext cx="8520600" cy="572700"/>
+          </a:xfrm>
+          <a:prstGeom prst="rect">
+            <a:avLst/>
+          </a:prstGeom>
+        </p:spPr>
+        <p:txBody>
+          <a:bodyPr anchorCtr="0" anchor="t" bIns="91425" lIns="91425" spcFirstLastPara="1" rIns="91425" wrap="square" tIns="91425">
+            <a:normAutofit fontScale="90000"/>
+          </a:bodyPr>
+          <a:lstStyle/>
+          <a:p>
+            <a:pPr indent="0" lvl="0" marL="0" rtl="0" algn="l">
+              <a:spcBef>
+                <a:spcPts val="0"/>
+              </a:spcBef>
+              <a:spcAft>
+                <a:spcPts val="0"/>
+              </a:spcAft>
+              <a:buNone/>
+            </a:pPr>
+            <a:r>
+              <a:rPr lang="ko"/>
+              <a:t>Data Analysis(1) - 크롤링 데이터</a:t>
+            </a:r>
+            <a:endParaRPr/>
+          </a:p>
+        </p:txBody>
+      </p:sp>
+      <p:sp>
+        <p:nvSpPr>
+          <p:cNvPr id="169" name="Google Shape;169;p29"/>
+          <p:cNvSpPr txBox="1"/>
+          <p:nvPr>
+            <p:ph idx="1" type="body"/>
+          </p:nvPr>
+        </p:nvSpPr>
+        <p:spPr>
+          <a:xfrm>
+            <a:off x="311700" y="1152475"/>
+            <a:ext cx="8261100" cy="3416400"/>
+          </a:xfrm>
+          <a:prstGeom prst="rect">
+            <a:avLst/>
+          </a:prstGeom>
+        </p:spPr>
+        <p:txBody>
+          <a:bodyPr anchorCtr="0" anchor="t" bIns="91425" lIns="91425" spcFirstLastPara="1" rIns="91425" wrap="square" tIns="91425">
+            <a:normAutofit/>
+          </a:bodyPr>
+          <a:lstStyle/>
+          <a:p>
+            <a:pPr indent="-317500" lvl="0" marL="457200" rtl="0" algn="l">
+              <a:spcBef>
+                <a:spcPts val="0"/>
+              </a:spcBef>
+              <a:spcAft>
+                <a:spcPts val="0"/>
+              </a:spcAft>
+              <a:buSzPts val="1400"/>
+              <a:buAutoNum type="arabicPeriod"/>
+            </a:pPr>
+            <a:r>
+              <a:rPr lang="ko"/>
+              <a:t>거주지별 환자수</a:t>
+            </a:r>
+            <a:endParaRPr/>
+          </a:p>
+          <a:p>
+            <a:pPr indent="0" lvl="0" marL="0" rtl="0" algn="l">
+              <a:spcBef>
+                <a:spcPts val="1200"/>
+              </a:spcBef>
+              <a:spcAft>
+                <a:spcPts val="1200"/>
+              </a:spcAft>
+              <a:buNone/>
+            </a:pPr>
+            <a:r>
+              <a:t/>
+            </a:r>
+            <a:endParaRPr/>
+          </a:p>
+        </p:txBody>
+      </p:sp>
+      <p:pic>
+        <p:nvPicPr>
+          <p:cNvPr id="170" name="Google Shape;170;p29"/>
+          <p:cNvPicPr preferRelativeResize="0"/>
+          <p:nvPr/>
+        </p:nvPicPr>
+        <p:blipFill>
+          <a:blip r:embed="rId3">
+            <a:alphaModFix/>
+          </a:blip>
+          <a:stretch>
+            <a:fillRect/>
+          </a:stretch>
+        </p:blipFill>
+        <p:spPr>
+          <a:xfrm>
+            <a:off x="319088" y="1490663"/>
+            <a:ext cx="8505825" cy="2924175"/>
+          </a:xfrm>
+          <a:prstGeom prst="rect">
+            <a:avLst/>
+          </a:prstGeom>
+          <a:noFill/>
+          <a:ln>
+            <a:noFill/>
+          </a:ln>
+        </p:spPr>
+      </p:pic>
+    </p:spTree>
+  </p:cSld>
+  <p:clrMapOvr>
+    <a:masterClrMapping/>
+  </p:clrMapOvr>
+</p:sld>
+</file>
+
+<file path=ppt/slides/slide18.xml><?xml version="1.0" encoding="utf-8"?>
+<p:sld xmlns:a="http://schemas.openxmlformats.org/drawingml/2006/main" xmlns:r="http://schemas.openxmlformats.org/officeDocument/2006/relationships" xmlns:mc="http://schemas.openxmlformats.org/markup-compatibility/2006" xmlns:mv="urn:schemas-microsoft-com:mac:vml" xmlns:p="http://schemas.openxmlformats.org/presentationml/2006/main" xmlns:c="http://schemas.openxmlformats.org/drawingml/2006/chart" xmlns:dgm="http://schemas.openxmlformats.org/drawingml/2006/diagram" xmlns:o="urn:schemas-microsoft-com:office:office" xmlns:v="urn:schemas-microsoft-com:vml" xmlns:pvml="urn:schemas-microsoft-com:office:powerpoint" xmlns:com="http://schemas.openxmlformats.org/drawingml/2006/compatibility" xmlns:p14="http://schemas.microsoft.com/office/powerpoint/2010/main" xmlns:p15="http://schemas.microsoft.com/office/powerpoint/2012/main" xmlns:ahyp="http://schemas.microsoft.com/office/drawing/2018/hyperlinkcolor">
+  <p:cSld>
+    <p:spTree>
+      <p:nvGrpSpPr>
+        <p:cNvPr id="174" name="Shape 174"/>
+        <p:cNvGrpSpPr/>
+        <p:nvPr/>
+      </p:nvGrpSpPr>
+      <p:grpSpPr>
+        <a:xfrm>
+          <a:off x="0" y="0"/>
+          <a:ext cx="0" cy="0"/>
+          <a:chOff x="0" y="0"/>
+          <a:chExt cx="0" cy="0"/>
+        </a:xfrm>
+      </p:grpSpPr>
+      <p:sp>
+        <p:nvSpPr>
+          <p:cNvPr id="175" name="Google Shape;175;p30"/>
+          <p:cNvSpPr txBox="1"/>
+          <p:nvPr>
+            <p:ph type="title"/>
+          </p:nvPr>
+        </p:nvSpPr>
+        <p:spPr>
+          <a:xfrm>
+            <a:off x="311700" y="445025"/>
+            <a:ext cx="8520600" cy="572700"/>
+          </a:xfrm>
+          <a:prstGeom prst="rect">
+            <a:avLst/>
+          </a:prstGeom>
+        </p:spPr>
+        <p:txBody>
+          <a:bodyPr anchorCtr="0" anchor="t" bIns="91425" lIns="91425" spcFirstLastPara="1" rIns="91425" wrap="square" tIns="91425">
+            <a:normAutofit fontScale="90000"/>
+          </a:bodyPr>
+          <a:lstStyle/>
+          <a:p>
+            <a:pPr indent="0" lvl="0" marL="0" rtl="0" algn="l">
+              <a:spcBef>
+                <a:spcPts val="0"/>
+              </a:spcBef>
+              <a:spcAft>
+                <a:spcPts val="0"/>
+              </a:spcAft>
+              <a:buNone/>
+            </a:pPr>
+            <a:r>
+              <a:rPr lang="ko"/>
+              <a:t>Data Analysis(1) - 크롤링 데이터</a:t>
+            </a:r>
+            <a:endParaRPr/>
+          </a:p>
+        </p:txBody>
+      </p:sp>
+      <p:sp>
+        <p:nvSpPr>
+          <p:cNvPr id="176" name="Google Shape;176;p30"/>
+          <p:cNvSpPr txBox="1"/>
+          <p:nvPr>
+            <p:ph idx="1" type="body"/>
+          </p:nvPr>
+        </p:nvSpPr>
+        <p:spPr>
+          <a:xfrm>
+            <a:off x="311700" y="1152475"/>
+            <a:ext cx="8520600" cy="3416400"/>
+          </a:xfrm>
+          <a:prstGeom prst="rect">
+            <a:avLst/>
+          </a:prstGeom>
+        </p:spPr>
+        <p:txBody>
+          <a:bodyPr anchorCtr="0" anchor="t" bIns="91425" lIns="91425" spcFirstLastPara="1" rIns="91425" wrap="square" tIns="91425">
+            <a:normAutofit/>
+          </a:bodyPr>
+          <a:lstStyle/>
+          <a:p>
+            <a:pPr indent="0" lvl="0" marL="0" rtl="0" algn="l">
+              <a:spcBef>
+                <a:spcPts val="0"/>
+              </a:spcBef>
+              <a:spcAft>
+                <a:spcPts val="1200"/>
+              </a:spcAft>
+              <a:buNone/>
+            </a:pPr>
+            <a:r>
+              <a:t/>
+            </a:r>
+            <a:endParaRPr sz="1400"/>
+          </a:p>
+        </p:txBody>
+      </p:sp>
+      <p:pic>
+        <p:nvPicPr>
+          <p:cNvPr id="177" name="Google Shape;177;p30"/>
+          <p:cNvPicPr preferRelativeResize="0"/>
+          <p:nvPr/>
+        </p:nvPicPr>
+        <p:blipFill>
+          <a:blip r:embed="rId3">
+            <a:alphaModFix/>
+          </a:blip>
+          <a:stretch>
+            <a:fillRect/>
+          </a:stretch>
+        </p:blipFill>
+        <p:spPr>
+          <a:xfrm>
+            <a:off x="268875" y="1152475"/>
+            <a:ext cx="4303126" cy="3552375"/>
+          </a:xfrm>
+          <a:prstGeom prst="rect">
+            <a:avLst/>
+          </a:prstGeom>
+          <a:noFill/>
+          <a:ln>
+            <a:noFill/>
+          </a:ln>
+        </p:spPr>
+      </p:pic>
+      <p:pic>
+        <p:nvPicPr>
+          <p:cNvPr id="178" name="Google Shape;178;p30"/>
+          <p:cNvPicPr preferRelativeResize="0"/>
+          <p:nvPr/>
+        </p:nvPicPr>
+        <p:blipFill>
+          <a:blip r:embed="rId4">
+            <a:alphaModFix/>
+          </a:blip>
+          <a:stretch>
+            <a:fillRect/>
+          </a:stretch>
+        </p:blipFill>
+        <p:spPr>
+          <a:xfrm>
+            <a:off x="4693250" y="1162125"/>
+            <a:ext cx="4303125" cy="3552376"/>
+          </a:xfrm>
+          <a:prstGeom prst="rect">
+            <a:avLst/>
+          </a:prstGeom>
+          <a:noFill/>
+          <a:ln>
+            <a:noFill/>
+          </a:ln>
+        </p:spPr>
+      </p:pic>
+    </p:spTree>
+  </p:cSld>
+  <p:clrMapOvr>
+    <a:masterClrMapping/>
+  </p:clrMapOvr>
+</p:sld>
+</file>
+
+<file path=ppt/slides/slide19.xml><?xml version="1.0" encoding="utf-8"?>
+<p:sld xmlns:a="http://schemas.openxmlformats.org/drawingml/2006/main" xmlns:r="http://schemas.openxmlformats.org/officeDocument/2006/relationships" xmlns:mc="http://schemas.openxmlformats.org/markup-compatibility/2006" xmlns:mv="urn:schemas-microsoft-com:mac:vml" xmlns:p="http://schemas.openxmlformats.org/presentationml/2006/main" xmlns:c="http://schemas.openxmlformats.org/drawingml/2006/chart" xmlns:dgm="http://schemas.openxmlformats.org/drawingml/2006/diagram" xmlns:o="urn:schemas-microsoft-com:office:office" xmlns:v="urn:schemas-microsoft-com:vml" xmlns:pvml="urn:schemas-microsoft-com:office:powerpoint" xmlns:com="http://schemas.openxmlformats.org/drawingml/2006/compatibility" xmlns:p14="http://schemas.microsoft.com/office/powerpoint/2010/main" xmlns:p15="http://schemas.microsoft.com/office/powerpoint/2012/main" xmlns:ahyp="http://schemas.microsoft.com/office/drawing/2018/hyperlinkcolor">
+  <p:cSld>
+    <p:spTree>
+      <p:nvGrpSpPr>
+        <p:cNvPr id="182" name="Shape 182"/>
+        <p:cNvGrpSpPr/>
+        <p:nvPr/>
+      </p:nvGrpSpPr>
+      <p:grpSpPr>
+        <a:xfrm>
+          <a:off x="0" y="0"/>
+          <a:ext cx="0" cy="0"/>
+          <a:chOff x="0" y="0"/>
+          <a:chExt cx="0" cy="0"/>
+        </a:xfrm>
+      </p:grpSpPr>
+      <p:sp>
+        <p:nvSpPr>
+          <p:cNvPr id="183" name="Google Shape;183;p31"/>
+          <p:cNvSpPr txBox="1"/>
+          <p:nvPr>
+            <p:ph type="title"/>
+          </p:nvPr>
+        </p:nvSpPr>
+        <p:spPr>
+          <a:xfrm>
+            <a:off x="311700" y="445025"/>
+            <a:ext cx="8520600" cy="572700"/>
+          </a:xfrm>
+          <a:prstGeom prst="rect">
+            <a:avLst/>
+          </a:prstGeom>
+        </p:spPr>
+        <p:txBody>
+          <a:bodyPr anchorCtr="0" anchor="t" bIns="91425" lIns="91425" spcFirstLastPara="1" rIns="91425" wrap="square" tIns="91425">
+            <a:normAutofit fontScale="90000"/>
+          </a:bodyPr>
+          <a:lstStyle/>
+          <a:p>
+            <a:pPr indent="0" lvl="0" marL="0" rtl="0" algn="l">
+              <a:spcBef>
+                <a:spcPts val="0"/>
+              </a:spcBef>
+              <a:spcAft>
+                <a:spcPts val="0"/>
+              </a:spcAft>
+              <a:buNone/>
+            </a:pPr>
+            <a:r>
+              <a:rPr lang="ko"/>
+              <a:t>Data Analysis(1) - 크롤링 데이터</a:t>
+            </a:r>
+            <a:endParaRPr/>
+          </a:p>
+        </p:txBody>
+      </p:sp>
+      <p:sp>
+        <p:nvSpPr>
+          <p:cNvPr id="184" name="Google Shape;184;p31"/>
+          <p:cNvSpPr txBox="1"/>
+          <p:nvPr>
+            <p:ph idx="1" type="body"/>
+          </p:nvPr>
+        </p:nvSpPr>
+        <p:spPr>
+          <a:xfrm>
+            <a:off x="311700" y="1152475"/>
+            <a:ext cx="8520600" cy="3416400"/>
+          </a:xfrm>
+          <a:prstGeom prst="rect">
+            <a:avLst/>
+          </a:prstGeom>
+        </p:spPr>
+        <p:txBody>
+          <a:bodyPr anchorCtr="0" anchor="t" bIns="91425" lIns="91425" spcFirstLastPara="1" rIns="91425" wrap="square" tIns="91425">
+            <a:normAutofit/>
+          </a:bodyPr>
+          <a:lstStyle/>
+          <a:p>
+            <a:pPr indent="0" lvl="0" marL="0" rtl="0" algn="l">
+              <a:spcBef>
+                <a:spcPts val="0"/>
+              </a:spcBef>
+              <a:spcAft>
+                <a:spcPts val="0"/>
+              </a:spcAft>
+              <a:buNone/>
+            </a:pPr>
+            <a:r>
+              <a:rPr lang="ko" sz="1400"/>
+              <a:t>2. 해외유입 환자</a:t>
+            </a:r>
+            <a:endParaRPr sz="1400"/>
+          </a:p>
+          <a:p>
+            <a:pPr indent="0" lvl="0" marL="0" rtl="0" algn="l">
+              <a:spcBef>
+                <a:spcPts val="1200"/>
+              </a:spcBef>
+              <a:spcAft>
+                <a:spcPts val="0"/>
+              </a:spcAft>
+              <a:buNone/>
+            </a:pPr>
+            <a:r>
+              <a:t/>
+            </a:r>
+            <a:endParaRPr/>
+          </a:p>
+          <a:p>
+            <a:pPr indent="0" lvl="0" marL="0" rtl="0" algn="l">
+              <a:spcBef>
+                <a:spcPts val="1200"/>
+              </a:spcBef>
+              <a:spcAft>
+                <a:spcPts val="1200"/>
+              </a:spcAft>
+              <a:buNone/>
+            </a:pPr>
+            <a:r>
+              <a:t/>
+            </a:r>
+            <a:endParaRPr/>
+          </a:p>
+        </p:txBody>
+      </p:sp>
+      <p:pic>
+        <p:nvPicPr>
+          <p:cNvPr id="185" name="Google Shape;185;p31"/>
+          <p:cNvPicPr preferRelativeResize="0"/>
+          <p:nvPr/>
+        </p:nvPicPr>
+        <p:blipFill>
+          <a:blip r:embed="rId3">
+            <a:alphaModFix/>
+          </a:blip>
+          <a:stretch>
+            <a:fillRect/>
+          </a:stretch>
+        </p:blipFill>
+        <p:spPr>
+          <a:xfrm>
+            <a:off x="342900" y="1694625"/>
+            <a:ext cx="8458200" cy="2971800"/>
+          </a:xfrm>
+          <a:prstGeom prst="rect">
+            <a:avLst/>
+          </a:prstGeom>
+          <a:noFill/>
+          <a:ln>
+            <a:noFill/>
+          </a:ln>
+        </p:spPr>
+      </p:pic>
+    </p:spTree>
+  </p:cSld>
+  <p:clrMapOvr>
+    <a:masterClrMapping/>
+  </p:clrMapOvr>
+</p:sld>
+</file>
+
 <file path=ppt/slides/slide2.xml><?xml version="1.0" encoding="utf-8"?>
 <p:sld xmlns:a="http://schemas.openxmlformats.org/drawingml/2006/main" xmlns:r="http://schemas.openxmlformats.org/officeDocument/2006/relationships" xmlns:mc="http://schemas.openxmlformats.org/markup-compatibility/2006" xmlns:mv="urn:schemas-microsoft-com:mac:vml" xmlns:p="http://schemas.openxmlformats.org/presentationml/2006/main" xmlns:c="http://schemas.openxmlformats.org/drawingml/2006/chart" xmlns:dgm="http://schemas.openxmlformats.org/drawingml/2006/diagram" xmlns:o="urn:schemas-microsoft-com:office:office" xmlns:v="urn:schemas-microsoft-com:vml" xmlns:pvml="urn:schemas-microsoft-com:office:powerpoint" xmlns:com="http://schemas.openxmlformats.org/drawingml/2006/compatibility" xmlns:p14="http://schemas.microsoft.com/office/powerpoint/2010/main" xmlns:p15="http://schemas.microsoft.com/office/powerpoint/2012/main" xmlns:ahyp="http://schemas.microsoft.com/office/drawing/2018/hyperlinkcolor">
   <p:cSld>
@@ -6657,6 +10135,808 @@
               <a:t/>
             </a:r>
             <a:endParaRPr sz="1355"/>
+          </a:p>
+        </p:txBody>
+      </p:sp>
+    </p:spTree>
+  </p:cSld>
+  <p:clrMapOvr>
+    <a:masterClrMapping/>
+  </p:clrMapOvr>
+</p:sld>
+</file>
+
+<file path=ppt/slides/slide20.xml><?xml version="1.0" encoding="utf-8"?>
+<p:sld xmlns:a="http://schemas.openxmlformats.org/drawingml/2006/main" xmlns:r="http://schemas.openxmlformats.org/officeDocument/2006/relationships" xmlns:mc="http://schemas.openxmlformats.org/markup-compatibility/2006" xmlns:mv="urn:schemas-microsoft-com:mac:vml" xmlns:p="http://schemas.openxmlformats.org/presentationml/2006/main" xmlns:c="http://schemas.openxmlformats.org/drawingml/2006/chart" xmlns:dgm="http://schemas.openxmlformats.org/drawingml/2006/diagram" xmlns:o="urn:schemas-microsoft-com:office:office" xmlns:v="urn:schemas-microsoft-com:vml" xmlns:pvml="urn:schemas-microsoft-com:office:powerpoint" xmlns:com="http://schemas.openxmlformats.org/drawingml/2006/compatibility" xmlns:p14="http://schemas.microsoft.com/office/powerpoint/2010/main" xmlns:p15="http://schemas.microsoft.com/office/powerpoint/2012/main" xmlns:ahyp="http://schemas.microsoft.com/office/drawing/2018/hyperlinkcolor">
+  <p:cSld>
+    <p:spTree>
+      <p:nvGrpSpPr>
+        <p:cNvPr id="189" name="Shape 189"/>
+        <p:cNvGrpSpPr/>
+        <p:nvPr/>
+      </p:nvGrpSpPr>
+      <p:grpSpPr>
+        <a:xfrm>
+          <a:off x="0" y="0"/>
+          <a:ext cx="0" cy="0"/>
+          <a:chOff x="0" y="0"/>
+          <a:chExt cx="0" cy="0"/>
+        </a:xfrm>
+      </p:grpSpPr>
+      <p:sp>
+        <p:nvSpPr>
+          <p:cNvPr id="190" name="Google Shape;190;p32"/>
+          <p:cNvSpPr txBox="1"/>
+          <p:nvPr>
+            <p:ph type="title"/>
+          </p:nvPr>
+        </p:nvSpPr>
+        <p:spPr>
+          <a:xfrm>
+            <a:off x="311700" y="445025"/>
+            <a:ext cx="8520600" cy="572700"/>
+          </a:xfrm>
+          <a:prstGeom prst="rect">
+            <a:avLst/>
+          </a:prstGeom>
+        </p:spPr>
+        <p:txBody>
+          <a:bodyPr anchorCtr="0" anchor="t" bIns="91425" lIns="91425" spcFirstLastPara="1" rIns="91425" wrap="square" tIns="91425">
+            <a:normAutofit fontScale="90000"/>
+          </a:bodyPr>
+          <a:lstStyle/>
+          <a:p>
+            <a:pPr indent="0" lvl="0" marL="0" rtl="0" algn="l">
+              <a:spcBef>
+                <a:spcPts val="0"/>
+              </a:spcBef>
+              <a:spcAft>
+                <a:spcPts val="0"/>
+              </a:spcAft>
+              <a:buNone/>
+            </a:pPr>
+            <a:r>
+              <a:rPr lang="ko"/>
+              <a:t>Data Analysis(1) - 크롤링 데이터</a:t>
+            </a:r>
+            <a:endParaRPr/>
+          </a:p>
+        </p:txBody>
+      </p:sp>
+      <p:sp>
+        <p:nvSpPr>
+          <p:cNvPr id="191" name="Google Shape;191;p32"/>
+          <p:cNvSpPr txBox="1"/>
+          <p:nvPr>
+            <p:ph idx="1" type="body"/>
+          </p:nvPr>
+        </p:nvSpPr>
+        <p:spPr>
+          <a:xfrm>
+            <a:off x="311700" y="1152475"/>
+            <a:ext cx="8520600" cy="3416400"/>
+          </a:xfrm>
+          <a:prstGeom prst="rect">
+            <a:avLst/>
+          </a:prstGeom>
+        </p:spPr>
+        <p:txBody>
+          <a:bodyPr anchorCtr="0" anchor="t" bIns="91425" lIns="91425" spcFirstLastPara="1" rIns="91425" wrap="square" tIns="91425">
+            <a:normAutofit/>
+          </a:bodyPr>
+          <a:lstStyle/>
+          <a:p>
+            <a:pPr indent="0" lvl="0" marL="0" rtl="0" algn="l">
+              <a:spcBef>
+                <a:spcPts val="0"/>
+              </a:spcBef>
+              <a:spcAft>
+                <a:spcPts val="0"/>
+              </a:spcAft>
+              <a:buNone/>
+            </a:pPr>
+            <a:r>
+              <a:rPr lang="ko" sz="1400"/>
+              <a:t>3. 날짜별 감염자 수</a:t>
+            </a:r>
+            <a:endParaRPr sz="1400"/>
+          </a:p>
+          <a:p>
+            <a:pPr indent="0" lvl="0" marL="0" rtl="0" algn="l">
+              <a:spcBef>
+                <a:spcPts val="1200"/>
+              </a:spcBef>
+              <a:spcAft>
+                <a:spcPts val="0"/>
+              </a:spcAft>
+              <a:buNone/>
+            </a:pPr>
+            <a:r>
+              <a:t/>
+            </a:r>
+            <a:endParaRPr sz="1400"/>
+          </a:p>
+          <a:p>
+            <a:pPr indent="0" lvl="0" marL="0" rtl="0" algn="l">
+              <a:spcBef>
+                <a:spcPts val="1200"/>
+              </a:spcBef>
+              <a:spcAft>
+                <a:spcPts val="0"/>
+              </a:spcAft>
+              <a:buNone/>
+            </a:pPr>
+            <a:r>
+              <a:t/>
+            </a:r>
+            <a:endParaRPr sz="1400"/>
+          </a:p>
+          <a:p>
+            <a:pPr indent="0" lvl="0" marL="0" rtl="0" algn="l">
+              <a:spcBef>
+                <a:spcPts val="1200"/>
+              </a:spcBef>
+              <a:spcAft>
+                <a:spcPts val="1200"/>
+              </a:spcAft>
+              <a:buNone/>
+            </a:pPr>
+            <a:r>
+              <a:t/>
+            </a:r>
+            <a:endParaRPr sz="1400"/>
+          </a:p>
+        </p:txBody>
+      </p:sp>
+      <p:pic>
+        <p:nvPicPr>
+          <p:cNvPr id="192" name="Google Shape;192;p32"/>
+          <p:cNvPicPr preferRelativeResize="0"/>
+          <p:nvPr/>
+        </p:nvPicPr>
+        <p:blipFill>
+          <a:blip r:embed="rId3">
+            <a:alphaModFix/>
+          </a:blip>
+          <a:stretch>
+            <a:fillRect/>
+          </a:stretch>
+        </p:blipFill>
+        <p:spPr>
+          <a:xfrm>
+            <a:off x="2750850" y="3128975"/>
+            <a:ext cx="6027724" cy="1718200"/>
+          </a:xfrm>
+          <a:prstGeom prst="rect">
+            <a:avLst/>
+          </a:prstGeom>
+          <a:noFill/>
+          <a:ln>
+            <a:noFill/>
+          </a:ln>
+        </p:spPr>
+      </p:pic>
+      <p:pic>
+        <p:nvPicPr>
+          <p:cNvPr id="193" name="Google Shape;193;p32"/>
+          <p:cNvPicPr preferRelativeResize="0"/>
+          <p:nvPr/>
+        </p:nvPicPr>
+        <p:blipFill>
+          <a:blip r:embed="rId4">
+            <a:alphaModFix/>
+          </a:blip>
+          <a:stretch>
+            <a:fillRect/>
+          </a:stretch>
+        </p:blipFill>
+        <p:spPr>
+          <a:xfrm>
+            <a:off x="2750850" y="1410775"/>
+            <a:ext cx="6027724" cy="1718200"/>
+          </a:xfrm>
+          <a:prstGeom prst="rect">
+            <a:avLst/>
+          </a:prstGeom>
+          <a:noFill/>
+          <a:ln>
+            <a:noFill/>
+          </a:ln>
+        </p:spPr>
+      </p:pic>
+      <p:pic>
+        <p:nvPicPr>
+          <p:cNvPr id="194" name="Google Shape;194;p32"/>
+          <p:cNvPicPr preferRelativeResize="0"/>
+          <p:nvPr/>
+        </p:nvPicPr>
+        <p:blipFill>
+          <a:blip r:embed="rId5">
+            <a:alphaModFix/>
+          </a:blip>
+          <a:stretch>
+            <a:fillRect/>
+          </a:stretch>
+        </p:blipFill>
+        <p:spPr>
+          <a:xfrm>
+            <a:off x="76200" y="1933150"/>
+            <a:ext cx="2615175" cy="2486025"/>
+          </a:xfrm>
+          <a:prstGeom prst="rect">
+            <a:avLst/>
+          </a:prstGeom>
+          <a:noFill/>
+          <a:ln>
+            <a:noFill/>
+          </a:ln>
+        </p:spPr>
+      </p:pic>
+    </p:spTree>
+  </p:cSld>
+  <p:clrMapOvr>
+    <a:masterClrMapping/>
+  </p:clrMapOvr>
+</p:sld>
+</file>
+
+<file path=ppt/slides/slide21.xml><?xml version="1.0" encoding="utf-8"?>
+<p:sld xmlns:a="http://schemas.openxmlformats.org/drawingml/2006/main" xmlns:r="http://schemas.openxmlformats.org/officeDocument/2006/relationships" xmlns:mc="http://schemas.openxmlformats.org/markup-compatibility/2006" xmlns:mv="urn:schemas-microsoft-com:mac:vml" xmlns:p="http://schemas.openxmlformats.org/presentationml/2006/main" xmlns:c="http://schemas.openxmlformats.org/drawingml/2006/chart" xmlns:dgm="http://schemas.openxmlformats.org/drawingml/2006/diagram" xmlns:o="urn:schemas-microsoft-com:office:office" xmlns:v="urn:schemas-microsoft-com:vml" xmlns:pvml="urn:schemas-microsoft-com:office:powerpoint" xmlns:com="http://schemas.openxmlformats.org/drawingml/2006/compatibility" xmlns:p14="http://schemas.microsoft.com/office/powerpoint/2010/main" xmlns:p15="http://schemas.microsoft.com/office/powerpoint/2012/main" xmlns:ahyp="http://schemas.microsoft.com/office/drawing/2018/hyperlinkcolor">
+  <p:cSld>
+    <p:spTree>
+      <p:nvGrpSpPr>
+        <p:cNvPr id="198" name="Shape 198"/>
+        <p:cNvGrpSpPr/>
+        <p:nvPr/>
+      </p:nvGrpSpPr>
+      <p:grpSpPr>
+        <a:xfrm>
+          <a:off x="0" y="0"/>
+          <a:ext cx="0" cy="0"/>
+          <a:chOff x="0" y="0"/>
+          <a:chExt cx="0" cy="0"/>
+        </a:xfrm>
+      </p:grpSpPr>
+      <p:sp>
+        <p:nvSpPr>
+          <p:cNvPr id="199" name="Google Shape;199;p33"/>
+          <p:cNvSpPr txBox="1"/>
+          <p:nvPr>
+            <p:ph type="title"/>
+          </p:nvPr>
+        </p:nvSpPr>
+        <p:spPr>
+          <a:xfrm>
+            <a:off x="311700" y="445025"/>
+            <a:ext cx="8520600" cy="572700"/>
+          </a:xfrm>
+          <a:prstGeom prst="rect">
+            <a:avLst/>
+          </a:prstGeom>
+        </p:spPr>
+        <p:txBody>
+          <a:bodyPr anchorCtr="0" anchor="t" bIns="91425" lIns="91425" spcFirstLastPara="1" rIns="91425" wrap="square" tIns="91425">
+            <a:normAutofit fontScale="90000"/>
+          </a:bodyPr>
+          <a:lstStyle/>
+          <a:p>
+            <a:pPr indent="0" lvl="0" marL="0" rtl="0" algn="l">
+              <a:spcBef>
+                <a:spcPts val="0"/>
+              </a:spcBef>
+              <a:spcAft>
+                <a:spcPts val="0"/>
+              </a:spcAft>
+              <a:buNone/>
+            </a:pPr>
+            <a:r>
+              <a:t/>
+            </a:r>
+            <a:endParaRPr/>
+          </a:p>
+        </p:txBody>
+      </p:sp>
+      <p:sp>
+        <p:nvSpPr>
+          <p:cNvPr id="200" name="Google Shape;200;p33"/>
+          <p:cNvSpPr txBox="1"/>
+          <p:nvPr>
+            <p:ph idx="1" type="body"/>
+          </p:nvPr>
+        </p:nvSpPr>
+        <p:spPr>
+          <a:xfrm>
+            <a:off x="311700" y="1152475"/>
+            <a:ext cx="8520600" cy="3416400"/>
+          </a:xfrm>
+          <a:prstGeom prst="rect">
+            <a:avLst/>
+          </a:prstGeom>
+        </p:spPr>
+        <p:txBody>
+          <a:bodyPr anchorCtr="0" anchor="t" bIns="91425" lIns="91425" spcFirstLastPara="1" rIns="91425" wrap="square" tIns="91425">
+            <a:normAutofit/>
+          </a:bodyPr>
+          <a:lstStyle/>
+          <a:p>
+            <a:pPr indent="0" lvl="0" marL="0" rtl="0" algn="l">
+              <a:spcBef>
+                <a:spcPts val="0"/>
+              </a:spcBef>
+              <a:spcAft>
+                <a:spcPts val="0"/>
+              </a:spcAft>
+              <a:buNone/>
+            </a:pPr>
+            <a:r>
+              <a:rPr lang="ko"/>
+              <a:t>여기 사이는 용주꺼 내용이 들어가고</a:t>
+            </a:r>
+            <a:endParaRPr/>
+          </a:p>
+          <a:p>
+            <a:pPr indent="0" lvl="0" marL="0" rtl="0" algn="l">
+              <a:spcBef>
+                <a:spcPts val="1200"/>
+              </a:spcBef>
+              <a:spcAft>
+                <a:spcPts val="1200"/>
+              </a:spcAft>
+              <a:buNone/>
+            </a:pPr>
+            <a:r>
+              <a:t/>
+            </a:r>
+            <a:endParaRPr/>
+          </a:p>
+        </p:txBody>
+      </p:sp>
+    </p:spTree>
+  </p:cSld>
+  <p:clrMapOvr>
+    <a:masterClrMapping/>
+  </p:clrMapOvr>
+</p:sld>
+</file>
+
+<file path=ppt/slides/slide22.xml><?xml version="1.0" encoding="utf-8"?>
+<p:sld xmlns:a="http://schemas.openxmlformats.org/drawingml/2006/main" xmlns:r="http://schemas.openxmlformats.org/officeDocument/2006/relationships" xmlns:mc="http://schemas.openxmlformats.org/markup-compatibility/2006" xmlns:mv="urn:schemas-microsoft-com:mac:vml" xmlns:p="http://schemas.openxmlformats.org/presentationml/2006/main" xmlns:c="http://schemas.openxmlformats.org/drawingml/2006/chart" xmlns:dgm="http://schemas.openxmlformats.org/drawingml/2006/diagram" xmlns:o="urn:schemas-microsoft-com:office:office" xmlns:v="urn:schemas-microsoft-com:vml" xmlns:pvml="urn:schemas-microsoft-com:office:powerpoint" xmlns:com="http://schemas.openxmlformats.org/drawingml/2006/compatibility" xmlns:p14="http://schemas.microsoft.com/office/powerpoint/2010/main" xmlns:p15="http://schemas.microsoft.com/office/powerpoint/2012/main" xmlns:ahyp="http://schemas.microsoft.com/office/drawing/2018/hyperlinkcolor">
+  <p:cSld>
+    <p:spTree>
+      <p:nvGrpSpPr>
+        <p:cNvPr id="204" name="Shape 204"/>
+        <p:cNvGrpSpPr/>
+        <p:nvPr/>
+      </p:nvGrpSpPr>
+      <p:grpSpPr>
+        <a:xfrm>
+          <a:off x="0" y="0"/>
+          <a:ext cx="0" cy="0"/>
+          <a:chOff x="0" y="0"/>
+          <a:chExt cx="0" cy="0"/>
+        </a:xfrm>
+      </p:grpSpPr>
+      <p:sp>
+        <p:nvSpPr>
+          <p:cNvPr id="205" name="Google Shape;205;p34"/>
+          <p:cNvSpPr txBox="1"/>
+          <p:nvPr>
+            <p:ph type="title"/>
+          </p:nvPr>
+        </p:nvSpPr>
+        <p:spPr>
+          <a:xfrm>
+            <a:off x="311700" y="445025"/>
+            <a:ext cx="8520600" cy="572700"/>
+          </a:xfrm>
+          <a:prstGeom prst="rect">
+            <a:avLst/>
+          </a:prstGeom>
+        </p:spPr>
+        <p:txBody>
+          <a:bodyPr anchorCtr="0" anchor="t" bIns="91425" lIns="91425" spcFirstLastPara="1" rIns="91425" wrap="square" tIns="91425">
+            <a:normAutofit fontScale="90000"/>
+          </a:bodyPr>
+          <a:lstStyle/>
+          <a:p>
+            <a:pPr indent="0" lvl="0" marL="0" rtl="0" algn="l">
+              <a:spcBef>
+                <a:spcPts val="0"/>
+              </a:spcBef>
+              <a:spcAft>
+                <a:spcPts val="0"/>
+              </a:spcAft>
+              <a:buNone/>
+            </a:pPr>
+            <a:r>
+              <a:rPr lang="ko"/>
+              <a:t>Data Analysis(3) - 여행사업 데이터</a:t>
+            </a:r>
+            <a:endParaRPr/>
+          </a:p>
+        </p:txBody>
+      </p:sp>
+      <p:sp>
+        <p:nvSpPr>
+          <p:cNvPr id="206" name="Google Shape;206;p34"/>
+          <p:cNvSpPr txBox="1"/>
+          <p:nvPr>
+            <p:ph idx="1" type="body"/>
+          </p:nvPr>
+        </p:nvSpPr>
+        <p:spPr>
+          <a:xfrm>
+            <a:off x="235500" y="1152475"/>
+            <a:ext cx="3253200" cy="3416400"/>
+          </a:xfrm>
+          <a:prstGeom prst="rect">
+            <a:avLst/>
+          </a:prstGeom>
+        </p:spPr>
+        <p:txBody>
+          <a:bodyPr anchorCtr="0" anchor="t" bIns="91425" lIns="91425" spcFirstLastPara="1" rIns="91425" wrap="square" tIns="91425">
+            <a:normAutofit/>
+          </a:bodyPr>
+          <a:lstStyle/>
+          <a:p>
+            <a:pPr indent="-342900" lvl="0" marL="457200" rtl="0" algn="l">
+              <a:spcBef>
+                <a:spcPts val="0"/>
+              </a:spcBef>
+              <a:spcAft>
+                <a:spcPts val="0"/>
+              </a:spcAft>
+              <a:buSzPts val="1800"/>
+              <a:buAutoNum type="arabicPeriod"/>
+            </a:pPr>
+            <a:r>
+              <a:rPr lang="ko"/>
+              <a:t>여행사업  추이</a:t>
+            </a:r>
+            <a:endParaRPr/>
+          </a:p>
+          <a:p>
+            <a:pPr indent="0" lvl="0" marL="0" rtl="0" algn="l">
+              <a:spcBef>
+                <a:spcPts val="1200"/>
+              </a:spcBef>
+              <a:spcAft>
+                <a:spcPts val="1200"/>
+              </a:spcAft>
+              <a:buNone/>
+            </a:pPr>
+            <a:r>
+              <a:t/>
+            </a:r>
+            <a:endParaRPr/>
+          </a:p>
+        </p:txBody>
+      </p:sp>
+      <p:sp>
+        <p:nvSpPr>
+          <p:cNvPr id="207" name="Google Shape;207;p34"/>
+          <p:cNvSpPr txBox="1"/>
+          <p:nvPr>
+            <p:ph idx="1" type="body"/>
+          </p:nvPr>
+        </p:nvSpPr>
+        <p:spPr>
+          <a:xfrm>
+            <a:off x="3124500" y="1094975"/>
+            <a:ext cx="3253200" cy="3416400"/>
+          </a:xfrm>
+          <a:prstGeom prst="rect">
+            <a:avLst/>
+          </a:prstGeom>
+        </p:spPr>
+        <p:txBody>
+          <a:bodyPr anchorCtr="0" anchor="t" bIns="91425" lIns="91425" spcFirstLastPara="1" rIns="91425" wrap="square" tIns="91425">
+            <a:normAutofit/>
+          </a:bodyPr>
+          <a:lstStyle/>
+          <a:p>
+            <a:pPr indent="0" lvl="0" marL="0" rtl="0" algn="l">
+              <a:spcBef>
+                <a:spcPts val="0"/>
+              </a:spcBef>
+              <a:spcAft>
+                <a:spcPts val="0"/>
+              </a:spcAft>
+              <a:buNone/>
+            </a:pPr>
+            <a:r>
+              <a:rPr lang="ko"/>
+              <a:t>2.   호텔사업 추이</a:t>
+            </a:r>
+            <a:endParaRPr/>
+          </a:p>
+          <a:p>
+            <a:pPr indent="0" lvl="0" marL="0" rtl="0" algn="l">
+              <a:spcBef>
+                <a:spcPts val="1200"/>
+              </a:spcBef>
+              <a:spcAft>
+                <a:spcPts val="1200"/>
+              </a:spcAft>
+              <a:buNone/>
+            </a:pPr>
+            <a:r>
+              <a:t/>
+            </a:r>
+            <a:endParaRPr/>
+          </a:p>
+        </p:txBody>
+      </p:sp>
+      <p:sp>
+        <p:nvSpPr>
+          <p:cNvPr id="208" name="Google Shape;208;p34"/>
+          <p:cNvSpPr txBox="1"/>
+          <p:nvPr>
+            <p:ph idx="1" type="body"/>
+          </p:nvPr>
+        </p:nvSpPr>
+        <p:spPr>
+          <a:xfrm>
+            <a:off x="6003300" y="1076275"/>
+            <a:ext cx="3253200" cy="3416400"/>
+          </a:xfrm>
+          <a:prstGeom prst="rect">
+            <a:avLst/>
+          </a:prstGeom>
+        </p:spPr>
+        <p:txBody>
+          <a:bodyPr anchorCtr="0" anchor="t" bIns="91425" lIns="91425" spcFirstLastPara="1" rIns="91425" wrap="square" tIns="91425">
+            <a:normAutofit/>
+          </a:bodyPr>
+          <a:lstStyle/>
+          <a:p>
+            <a:pPr indent="0" lvl="0" marL="0" rtl="0" algn="l">
+              <a:spcBef>
+                <a:spcPts val="0"/>
+              </a:spcBef>
+              <a:spcAft>
+                <a:spcPts val="0"/>
+              </a:spcAft>
+              <a:buNone/>
+            </a:pPr>
+            <a:r>
+              <a:rPr lang="ko"/>
+              <a:t>3.   관광/여행</a:t>
+            </a:r>
+            <a:r>
+              <a:rPr lang="ko"/>
+              <a:t> 지수 추이</a:t>
+            </a:r>
+            <a:endParaRPr/>
+          </a:p>
+          <a:p>
+            <a:pPr indent="0" lvl="0" marL="0" rtl="0" algn="l">
+              <a:spcBef>
+                <a:spcPts val="1200"/>
+              </a:spcBef>
+              <a:spcAft>
+                <a:spcPts val="1200"/>
+              </a:spcAft>
+              <a:buNone/>
+            </a:pPr>
+            <a:r>
+              <a:t/>
+            </a:r>
+            <a:endParaRPr/>
+          </a:p>
+        </p:txBody>
+      </p:sp>
+      <p:pic>
+        <p:nvPicPr>
+          <p:cNvPr id="209" name="Google Shape;209;p34"/>
+          <p:cNvPicPr preferRelativeResize="0"/>
+          <p:nvPr/>
+        </p:nvPicPr>
+        <p:blipFill>
+          <a:blip r:embed="rId3">
+            <a:alphaModFix/>
+          </a:blip>
+          <a:stretch>
+            <a:fillRect/>
+          </a:stretch>
+        </p:blipFill>
+        <p:spPr>
+          <a:xfrm>
+            <a:off x="213075" y="1706575"/>
+            <a:ext cx="2745700" cy="2728600"/>
+          </a:xfrm>
+          <a:prstGeom prst="rect">
+            <a:avLst/>
+          </a:prstGeom>
+          <a:noFill/>
+          <a:ln>
+            <a:noFill/>
+          </a:ln>
+        </p:spPr>
+      </p:pic>
+      <p:pic>
+        <p:nvPicPr>
+          <p:cNvPr id="210" name="Google Shape;210;p34"/>
+          <p:cNvPicPr preferRelativeResize="0"/>
+          <p:nvPr/>
+        </p:nvPicPr>
+        <p:blipFill>
+          <a:blip r:embed="rId4">
+            <a:alphaModFix/>
+          </a:blip>
+          <a:stretch>
+            <a:fillRect/>
+          </a:stretch>
+        </p:blipFill>
+        <p:spPr>
+          <a:xfrm>
+            <a:off x="3048298" y="1727687"/>
+            <a:ext cx="2746800" cy="2728800"/>
+          </a:xfrm>
+          <a:prstGeom prst="rect">
+            <a:avLst/>
+          </a:prstGeom>
+          <a:noFill/>
+          <a:ln>
+            <a:noFill/>
+          </a:ln>
+        </p:spPr>
+      </p:pic>
+      <p:pic>
+        <p:nvPicPr>
+          <p:cNvPr id="211" name="Google Shape;211;p34"/>
+          <p:cNvPicPr preferRelativeResize="0"/>
+          <p:nvPr/>
+        </p:nvPicPr>
+        <p:blipFill>
+          <a:blip r:embed="rId5">
+            <a:alphaModFix/>
+          </a:blip>
+          <a:stretch>
+            <a:fillRect/>
+          </a:stretch>
+        </p:blipFill>
+        <p:spPr>
+          <a:xfrm>
+            <a:off x="5900738" y="1728788"/>
+            <a:ext cx="2746800" cy="2728800"/>
+          </a:xfrm>
+          <a:prstGeom prst="rect">
+            <a:avLst/>
+          </a:prstGeom>
+          <a:noFill/>
+          <a:ln>
+            <a:noFill/>
+          </a:ln>
+        </p:spPr>
+      </p:pic>
+    </p:spTree>
+  </p:cSld>
+  <p:clrMapOvr>
+    <a:masterClrMapping/>
+  </p:clrMapOvr>
+</p:sld>
+</file>
+
+<file path=ppt/slides/slide23.xml><?xml version="1.0" encoding="utf-8"?>
+<p:sld xmlns:a="http://schemas.openxmlformats.org/drawingml/2006/main" xmlns:r="http://schemas.openxmlformats.org/officeDocument/2006/relationships" xmlns:mc="http://schemas.openxmlformats.org/markup-compatibility/2006" xmlns:mv="urn:schemas-microsoft-com:mac:vml" xmlns:p="http://schemas.openxmlformats.org/presentationml/2006/main" xmlns:c="http://schemas.openxmlformats.org/drawingml/2006/chart" xmlns:dgm="http://schemas.openxmlformats.org/drawingml/2006/diagram" xmlns:o="urn:schemas-microsoft-com:office:office" xmlns:v="urn:schemas-microsoft-com:vml" xmlns:pvml="urn:schemas-microsoft-com:office:powerpoint" xmlns:com="http://schemas.openxmlformats.org/drawingml/2006/compatibility" xmlns:p14="http://schemas.microsoft.com/office/powerpoint/2010/main" xmlns:p15="http://schemas.microsoft.com/office/powerpoint/2012/main" xmlns:ahyp="http://schemas.microsoft.com/office/drawing/2018/hyperlinkcolor">
+  <p:cSld>
+    <p:spTree>
+      <p:nvGrpSpPr>
+        <p:cNvPr id="215" name="Shape 215"/>
+        <p:cNvGrpSpPr/>
+        <p:nvPr/>
+      </p:nvGrpSpPr>
+      <p:grpSpPr>
+        <a:xfrm>
+          <a:off x="0" y="0"/>
+          <a:ext cx="0" cy="0"/>
+          <a:chOff x="0" y="0"/>
+          <a:chExt cx="0" cy="0"/>
+        </a:xfrm>
+      </p:grpSpPr>
+      <p:sp>
+        <p:nvSpPr>
+          <p:cNvPr id="216" name="Google Shape;216;p35"/>
+          <p:cNvSpPr txBox="1"/>
+          <p:nvPr>
+            <p:ph type="title"/>
+          </p:nvPr>
+        </p:nvSpPr>
+        <p:spPr>
+          <a:xfrm>
+            <a:off x="490250" y="450150"/>
+            <a:ext cx="6367800" cy="4090800"/>
+          </a:xfrm>
+          <a:prstGeom prst="rect">
+            <a:avLst/>
+          </a:prstGeom>
+        </p:spPr>
+        <p:txBody>
+          <a:bodyPr anchorCtr="0" anchor="ctr" bIns="91425" lIns="91425" spcFirstLastPara="1" rIns="91425" wrap="square" tIns="91425">
+            <a:normAutofit/>
+          </a:bodyPr>
+          <a:lstStyle/>
+          <a:p>
+            <a:pPr indent="0" lvl="0" marL="0" rtl="0" algn="l">
+              <a:spcBef>
+                <a:spcPts val="0"/>
+              </a:spcBef>
+              <a:spcAft>
+                <a:spcPts val="0"/>
+              </a:spcAft>
+              <a:buNone/>
+            </a:pPr>
+            <a:r>
+              <a:rPr lang="ko"/>
+              <a:t>Comprehensive Insight</a:t>
+            </a:r>
+            <a:endParaRPr/>
+          </a:p>
+        </p:txBody>
+      </p:sp>
+    </p:spTree>
+  </p:cSld>
+  <p:clrMapOvr>
+    <a:masterClrMapping/>
+  </p:clrMapOvr>
+</p:sld>
+</file>
+
+<file path=ppt/slides/slide24.xml><?xml version="1.0" encoding="utf-8"?>
+<p:sld xmlns:a="http://schemas.openxmlformats.org/drawingml/2006/main" xmlns:r="http://schemas.openxmlformats.org/officeDocument/2006/relationships" xmlns:mc="http://schemas.openxmlformats.org/markup-compatibility/2006" xmlns:mv="urn:schemas-microsoft-com:mac:vml" xmlns:p="http://schemas.openxmlformats.org/presentationml/2006/main" xmlns:c="http://schemas.openxmlformats.org/drawingml/2006/chart" xmlns:dgm="http://schemas.openxmlformats.org/drawingml/2006/diagram" xmlns:o="urn:schemas-microsoft-com:office:office" xmlns:v="urn:schemas-microsoft-com:vml" xmlns:pvml="urn:schemas-microsoft-com:office:powerpoint" xmlns:com="http://schemas.openxmlformats.org/drawingml/2006/compatibility" xmlns:p14="http://schemas.microsoft.com/office/powerpoint/2010/main" xmlns:p15="http://schemas.microsoft.com/office/powerpoint/2012/main" xmlns:ahyp="http://schemas.microsoft.com/office/drawing/2018/hyperlinkcolor">
+  <p:cSld>
+    <p:spTree>
+      <p:nvGrpSpPr>
+        <p:cNvPr id="220" name="Shape 220"/>
+        <p:cNvGrpSpPr/>
+        <p:nvPr/>
+      </p:nvGrpSpPr>
+      <p:grpSpPr>
+        <a:xfrm>
+          <a:off x="0" y="0"/>
+          <a:ext cx="0" cy="0"/>
+          <a:chOff x="0" y="0"/>
+          <a:chExt cx="0" cy="0"/>
+        </a:xfrm>
+      </p:grpSpPr>
+      <p:sp>
+        <p:nvSpPr>
+          <p:cNvPr id="221" name="Google Shape;221;p36"/>
+          <p:cNvSpPr txBox="1"/>
+          <p:nvPr>
+            <p:ph type="title"/>
+          </p:nvPr>
+        </p:nvSpPr>
+        <p:spPr>
+          <a:xfrm>
+            <a:off x="490250" y="450150"/>
+            <a:ext cx="6367800" cy="4090800"/>
+          </a:xfrm>
+          <a:prstGeom prst="rect">
+            <a:avLst/>
+          </a:prstGeom>
+        </p:spPr>
+        <p:txBody>
+          <a:bodyPr anchorCtr="0" anchor="ctr" bIns="91425" lIns="91425" spcFirstLastPara="1" rIns="91425" wrap="square" tIns="91425">
+            <a:normAutofit/>
+          </a:bodyPr>
+          <a:lstStyle/>
+          <a:p>
+            <a:pPr indent="0" lvl="0" marL="0" rtl="0" algn="l">
+              <a:spcBef>
+                <a:spcPts val="0"/>
+              </a:spcBef>
+              <a:spcAft>
+                <a:spcPts val="0"/>
+              </a:spcAft>
+              <a:buNone/>
+            </a:pPr>
+            <a:r>
+              <a:rPr lang="ko"/>
+              <a:t>여기서 종합</a:t>
+            </a:r>
+            <a:endParaRPr/>
           </a:p>
         </p:txBody>
       </p:sp>
@@ -7600,6 +11880,71 @@
         </p:nvSpPr>
         <p:spPr>
           <a:xfrm>
+            <a:off x="490250" y="450150"/>
+            <a:ext cx="6367800" cy="4090800"/>
+          </a:xfrm>
+          <a:prstGeom prst="rect">
+            <a:avLst/>
+          </a:prstGeom>
+        </p:spPr>
+        <p:txBody>
+          <a:bodyPr anchorCtr="0" anchor="ctr" bIns="91425" lIns="91425" spcFirstLastPara="1" rIns="91425" wrap="square" tIns="91425">
+            <a:normAutofit/>
+          </a:bodyPr>
+          <a:lstStyle/>
+          <a:p>
+            <a:pPr indent="0" lvl="0" marL="0" rtl="0" algn="l">
+              <a:spcBef>
+                <a:spcPts val="0"/>
+              </a:spcBef>
+              <a:spcAft>
+                <a:spcPts val="0"/>
+              </a:spcAft>
+              <a:buNone/>
+            </a:pPr>
+            <a:r>
+              <a:rPr lang="ko"/>
+              <a:t>Process</a:t>
+            </a:r>
+            <a:endParaRPr/>
+          </a:p>
+        </p:txBody>
+      </p:sp>
+    </p:spTree>
+  </p:cSld>
+  <p:clrMapOvr>
+    <a:masterClrMapping/>
+  </p:clrMapOvr>
+</p:sld>
+</file>
+
+<file path=ppt/slides/slide9.xml><?xml version="1.0" encoding="utf-8"?>
+<p:sld xmlns:a="http://schemas.openxmlformats.org/drawingml/2006/main" xmlns:r="http://schemas.openxmlformats.org/officeDocument/2006/relationships" xmlns:mc="http://schemas.openxmlformats.org/markup-compatibility/2006" xmlns:mv="urn:schemas-microsoft-com:mac:vml" xmlns:p="http://schemas.openxmlformats.org/presentationml/2006/main" xmlns:c="http://schemas.openxmlformats.org/drawingml/2006/chart" xmlns:dgm="http://schemas.openxmlformats.org/drawingml/2006/diagram" xmlns:o="urn:schemas-microsoft-com:office:office" xmlns:v="urn:schemas-microsoft-com:vml" xmlns:pvml="urn:schemas-microsoft-com:office:powerpoint" xmlns:com="http://schemas.openxmlformats.org/drawingml/2006/compatibility" xmlns:p14="http://schemas.microsoft.com/office/powerpoint/2010/main" xmlns:p15="http://schemas.microsoft.com/office/powerpoint/2012/main" xmlns:ahyp="http://schemas.microsoft.com/office/drawing/2018/hyperlinkcolor">
+  <p:cSld>
+    <p:spTree>
+      <p:nvGrpSpPr>
+        <p:cNvPr id="105" name="Shape 105"/>
+        <p:cNvGrpSpPr/>
+        <p:nvPr/>
+      </p:nvGrpSpPr>
+      <p:grpSpPr>
+        <a:xfrm>
+          <a:off x="0" y="0"/>
+          <a:ext cx="0" cy="0"/>
+          <a:chOff x="0" y="0"/>
+          <a:chExt cx="0" cy="0"/>
+        </a:xfrm>
+      </p:grpSpPr>
+      <p:sp>
+        <p:nvSpPr>
+          <p:cNvPr id="106" name="Google Shape;106;p21"/>
+          <p:cNvSpPr txBox="1"/>
+          <p:nvPr>
+            <p:ph type="title"/>
+          </p:nvPr>
+        </p:nvSpPr>
+        <p:spPr>
+          <a:xfrm>
             <a:off x="311700" y="445025"/>
             <a:ext cx="8520600" cy="572700"/>
           </a:xfrm>
@@ -7623,7 +11968,8 @@
               <a:buNone/>
             </a:pPr>
             <a:r>
-              <a:t/>
+              <a:rPr lang="ko"/>
+              <a:t>Data used(1) - 크롤링 데이터</a:t>
             </a:r>
             <a:endParaRPr/>
           </a:p>
@@ -7631,7 +11977,7 @@
       </p:sp>
       <p:sp>
         <p:nvSpPr>
-          <p:cNvPr id="102" name="Google Shape;102;p20"/>
+          <p:cNvPr id="107" name="Google Shape;107;p21"/>
           <p:cNvSpPr txBox="1"/>
           <p:nvPr>
             <p:ph idx="1" type="body"/>
@@ -7640,7 +11986,7 @@
         <p:spPr>
           <a:xfrm>
             <a:off x="311700" y="1152475"/>
-            <a:ext cx="8520600" cy="3416400"/>
+            <a:ext cx="8520600" cy="3831600"/>
           </a:xfrm>
           <a:prstGeom prst="rect">
             <a:avLst/>
@@ -7657,7 +12003,32 @@
                 <a:spcPts val="0"/>
               </a:spcBef>
               <a:spcAft>
+                <a:spcPts val="0"/>
+              </a:spcAft>
+              <a:buNone/>
+            </a:pPr>
+            <a:r>
+              <a:rPr lang="ko"/>
+              <a:t>서울특별시 코로나 현황 사이트 데이터 크롤링 : </a:t>
+            </a:r>
+            <a:r>
+              <a:rPr lang="ko" u="sng">
+                <a:solidFill>
+                  <a:schemeClr val="hlink"/>
+                </a:solidFill>
+                <a:hlinkClick r:id="rId3"/>
+              </a:rPr>
+              <a:t>https://www.seoul.go.kr/coronaV/coronaStatus.do</a:t>
+            </a:r>
+            <a:endParaRPr/>
+          </a:p>
+          <a:p>
+            <a:pPr indent="0" lvl="0" marL="0" rtl="0" algn="l">
+              <a:spcBef>
                 <a:spcPts val="1200"/>
+              </a:spcBef>
+              <a:spcAft>
+                <a:spcPts val="0"/>
               </a:spcAft>
               <a:buNone/>
             </a:pPr>
@@ -7666,8 +12037,66 @@
             </a:r>
             <a:endParaRPr/>
           </a:p>
+          <a:p>
+            <a:pPr indent="0" lvl="0" marL="0" rtl="0" algn="l">
+              <a:spcBef>
+                <a:spcPts val="1200"/>
+              </a:spcBef>
+              <a:spcAft>
+                <a:spcPts val="0"/>
+              </a:spcAft>
+              <a:buNone/>
+            </a:pPr>
+            <a:r>
+              <a:t/>
+            </a:r>
+            <a:endParaRPr/>
+          </a:p>
+          <a:p>
+            <a:pPr indent="0" lvl="0" marL="0" rtl="0" algn="l">
+              <a:spcBef>
+                <a:spcPts val="1200"/>
+              </a:spcBef>
+              <a:spcAft>
+                <a:spcPts val="1200"/>
+              </a:spcAft>
+              <a:buNone/>
+            </a:pPr>
+            <a:r>
+              <a:t/>
+            </a:r>
+            <a:endParaRPr/>
+          </a:p>
         </p:txBody>
       </p:sp>
+      <p:pic>
+        <p:nvPicPr>
+          <p:cNvPr id="108" name="Google Shape;108;p21"/>
+          <p:cNvPicPr preferRelativeResize="0"/>
+          <p:nvPr/>
+        </p:nvPicPr>
+        <p:blipFill>
+          <a:blip r:embed="rId4">
+            <a:alphaModFix/>
+          </a:blip>
+          <a:stretch>
+            <a:fillRect/>
+          </a:stretch>
+        </p:blipFill>
+        <p:spPr>
+          <a:xfrm>
+            <a:off x="0" y="2019125"/>
+            <a:ext cx="9144000" cy="3026550"/>
+          </a:xfrm>
+          <a:prstGeom prst="rect">
+            <a:avLst/>
+          </a:prstGeom>
+          <a:noFill/>
+          <a:ln>
+            <a:noFill/>
+          </a:ln>
+        </p:spPr>
+      </p:pic>
     </p:spTree>
   </p:cSld>
   <p:clrMapOvr>

--- a/docs/COVID19 데이터 분석 (1).pptx
+++ b/docs/COVID19 데이터 분석 (1).pptx
@@ -34,23 +34,24 @@
     <p:sldId id="279" r:id="rId29"/>
     <p:sldId id="280" r:id="rId30"/>
     <p:sldId id="281" r:id="rId31"/>
+    <p:sldId id="282" r:id="rId32"/>
   </p:sldIdLst>
   <p:sldSz cy="5143500" cx="9144000"/>
   <p:notesSz cx="6858000" cy="9144000"/>
   <p:embeddedFontLst>
     <p:embeddedFont>
       <p:font typeface="Raleway"/>
-      <p:regular r:id="rId32"/>
-      <p:bold r:id="rId33"/>
-      <p:italic r:id="rId34"/>
-      <p:boldItalic r:id="rId35"/>
+      <p:regular r:id="rId33"/>
+      <p:bold r:id="rId34"/>
+      <p:italic r:id="rId35"/>
+      <p:boldItalic r:id="rId36"/>
     </p:embeddedFont>
     <p:embeddedFont>
       <p:font typeface="Source Sans Pro"/>
-      <p:regular r:id="rId36"/>
-      <p:bold r:id="rId37"/>
-      <p:italic r:id="rId38"/>
-      <p:boldItalic r:id="rId39"/>
+      <p:regular r:id="rId37"/>
+      <p:bold r:id="rId38"/>
+      <p:italic r:id="rId39"/>
+      <p:boldItalic r:id="rId40"/>
     </p:embeddedFont>
   </p:embeddedFontLst>
   <p:defaultTextStyle>
@@ -2528,7 +2529,7 @@
       </p:grpSpPr>
       <p:sp>
         <p:nvSpPr>
-          <p:cNvPr id="236" name="Google Shape;236;geb1acc5fd5_0_130:notes"/>
+          <p:cNvPr id="236" name="Google Shape;236;ge8633895ce_0_752:notes"/>
           <p:cNvSpPr/>
           <p:nvPr>
             <p:ph idx="2" type="sldImg"/>
@@ -2563,7 +2564,106 @@
       </p:sp>
       <p:sp>
         <p:nvSpPr>
-          <p:cNvPr id="237" name="Google Shape;237;geb1acc5fd5_0_130:notes"/>
+          <p:cNvPr id="237" name="Google Shape;237;ge8633895ce_0_752:notes"/>
+          <p:cNvSpPr txBox="1"/>
+          <p:nvPr>
+            <p:ph idx="1" type="body"/>
+          </p:nvPr>
+        </p:nvSpPr>
+        <p:spPr>
+          <a:xfrm>
+            <a:off x="685800" y="4343400"/>
+            <a:ext cx="5486400" cy="4114800"/>
+          </a:xfrm>
+          <a:prstGeom prst="rect">
+            <a:avLst/>
+          </a:prstGeom>
+        </p:spPr>
+        <p:txBody>
+          <a:bodyPr anchorCtr="0" anchor="t" bIns="91425" lIns="91425" spcFirstLastPara="1" rIns="91425" wrap="square" tIns="91425">
+            <a:noAutofit/>
+          </a:bodyPr>
+          <a:lstStyle/>
+          <a:p>
+            <a:pPr indent="0" lvl="0" marL="0" rtl="0" algn="l">
+              <a:spcBef>
+                <a:spcPts val="0"/>
+              </a:spcBef>
+              <a:spcAft>
+                <a:spcPts val="0"/>
+              </a:spcAft>
+              <a:buNone/>
+            </a:pPr>
+            <a:r>
+              <a:t/>
+            </a:r>
+            <a:endParaRPr/>
+          </a:p>
+        </p:txBody>
+      </p:sp>
+    </p:spTree>
+  </p:cSld>
+  <p:clrMapOvr>
+    <a:masterClrMapping/>
+  </p:clrMapOvr>
+</p:notes>
+</file>
+
+<file path=ppt/notesSlides/notesSlide27.xml><?xml version="1.0" encoding="utf-8"?>
+<p:notes xmlns:a="http://schemas.openxmlformats.org/drawingml/2006/main" xmlns:r="http://schemas.openxmlformats.org/officeDocument/2006/relationships" xmlns:mc="http://schemas.openxmlformats.org/markup-compatibility/2006" xmlns:mv="urn:schemas-microsoft-com:mac:vml" xmlns:p="http://schemas.openxmlformats.org/presentationml/2006/main" xmlns:c="http://schemas.openxmlformats.org/drawingml/2006/chart" xmlns:dgm="http://schemas.openxmlformats.org/drawingml/2006/diagram" xmlns:o="urn:schemas-microsoft-com:office:office" xmlns:v="urn:schemas-microsoft-com:vml" xmlns:pvml="urn:schemas-microsoft-com:office:powerpoint" xmlns:com="http://schemas.openxmlformats.org/drawingml/2006/compatibility" xmlns:p14="http://schemas.microsoft.com/office/powerpoint/2010/main" xmlns:p15="http://schemas.microsoft.com/office/powerpoint/2012/main" xmlns:ahyp="http://schemas.microsoft.com/office/drawing/2018/hyperlinkcolor" showMasterPhAnim="0" showMasterSp="0">
+  <p:cSld>
+    <p:spTree>
+      <p:nvGrpSpPr>
+        <p:cNvPr id="241" name="Shape 241"/>
+        <p:cNvGrpSpPr/>
+        <p:nvPr/>
+      </p:nvGrpSpPr>
+      <p:grpSpPr>
+        <a:xfrm>
+          <a:off x="0" y="0"/>
+          <a:ext cx="0" cy="0"/>
+          <a:chOff x="0" y="0"/>
+          <a:chExt cx="0" cy="0"/>
+        </a:xfrm>
+      </p:grpSpPr>
+      <p:sp>
+        <p:nvSpPr>
+          <p:cNvPr id="242" name="Google Shape;242;geb1acc5fd5_0_130:notes"/>
+          <p:cNvSpPr/>
+          <p:nvPr>
+            <p:ph idx="2" type="sldImg"/>
+          </p:nvPr>
+        </p:nvSpPr>
+        <p:spPr>
+          <a:xfrm>
+            <a:off x="381300" y="685800"/>
+            <a:ext cx="6096000" cy="3429000"/>
+          </a:xfrm>
+          <a:custGeom>
+            <a:rect b="b" l="l" r="r" t="t"/>
+            <a:pathLst>
+              <a:path extrusionOk="0" h="120000" w="120000">
+                <a:moveTo>
+                  <a:pt x="0" y="0"/>
+                </a:moveTo>
+                <a:lnTo>
+                  <a:pt x="120000" y="0"/>
+                </a:lnTo>
+                <a:lnTo>
+                  <a:pt x="120000" y="120000"/>
+                </a:lnTo>
+                <a:lnTo>
+                  <a:pt x="0" y="120000"/>
+                </a:lnTo>
+                <a:close/>
+              </a:path>
+            </a:pathLst>
+          </a:custGeom>
+        </p:spPr>
+      </p:sp>
+      <p:sp>
+        <p:nvSpPr>
+          <p:cNvPr id="243" name="Google Shape;243;geb1acc5fd5_0_130:notes"/>
           <p:cNvSpPr txBox="1"/>
           <p:nvPr>
             <p:ph idx="1" type="body"/>
@@ -12049,7 +12149,7 @@
             </a:pPr>
             <a:r>
               <a:rPr lang="ko"/>
-              <a:t>여행사업 데이터의 여행사업과 관광/여행 지수를 살펴보면 4월부터 상승함. 이 사실을 통해서 사람들이 4월부터 여행을 많이 다님을 알 수 있으며  여행을 많이 다니기 때문에 해외유입 환자수가 증가했음을 유추 가능. </a:t>
+              <a:t>여행사업 데이터의 여행사업과 관광/여행 지수를 살펴보면 4월부터 상승함. 이 사실을 통해서 사람들이 4월부터 여행을 많이 다님을 알 수 있으며  여행을 많이 다니기 때문에 해외유입 환자수가 증가했음을 유추 가능.  </a:t>
             </a:r>
             <a:endParaRPr/>
           </a:p>
@@ -12121,7 +12221,7 @@
         </p:spPr>
         <p:txBody>
           <a:bodyPr anchorCtr="0" anchor="t" bIns="91425" lIns="91425" spcFirstLastPara="1" rIns="91425" wrap="square" tIns="91425">
-            <a:normAutofit fontScale="92500" lnSpcReduction="20000"/>
+            <a:normAutofit fontScale="70000"/>
           </a:bodyPr>
           <a:lstStyle/>
           <a:p>
@@ -12140,7 +12240,15 @@
                   <a:srgbClr val="FF0000"/>
                 </a:solidFill>
               </a:rPr>
-              <a:t>코로나가 장기화 되더라도 여행에 대한 사람들의 수요는 높기 때문에, 여행사업이 우려와는 달리 침체될 것으로 보이지 않음.</a:t>
+              <a:t>코로나 이후 여행 사업은 침체가 되었지만, 시간이 장기화 됨에 따라서 확진자수가 많이 나옴에도 불구하고 </a:t>
+            </a:r>
+            <a:r>
+              <a:rPr b="1" lang="ko">
+                <a:solidFill>
+                  <a:srgbClr val="FF0000"/>
+                </a:solidFill>
+              </a:rPr>
+              <a:t>여행에 대한 사람들의 수요가 높아짐. 따라서 현재 여행사업이 우려와는 달리 심각하게 침체될 것으로 보이지 않음.</a:t>
             </a:r>
             <a:endParaRPr b="1">
               <a:solidFill>
@@ -12178,6 +12286,109 @@
       <p:sp>
         <p:nvSpPr>
           <p:cNvPr id="239" name="Google Shape;239;p38"/>
+          <p:cNvSpPr txBox="1"/>
+          <p:nvPr>
+            <p:ph type="title"/>
+          </p:nvPr>
+        </p:nvSpPr>
+        <p:spPr>
+          <a:xfrm>
+            <a:off x="311700" y="445025"/>
+            <a:ext cx="8520600" cy="623400"/>
+          </a:xfrm>
+          <a:prstGeom prst="rect">
+            <a:avLst/>
+          </a:prstGeom>
+        </p:spPr>
+        <p:txBody>
+          <a:bodyPr anchorCtr="0" anchor="t" bIns="91425" lIns="91425" spcFirstLastPara="1" rIns="91425" wrap="square" tIns="91425">
+            <a:normAutofit fontScale="90000"/>
+          </a:bodyPr>
+          <a:lstStyle/>
+          <a:p>
+            <a:pPr indent="0" lvl="0" marL="0" rtl="0" algn="l">
+              <a:spcBef>
+                <a:spcPts val="0"/>
+              </a:spcBef>
+              <a:spcAft>
+                <a:spcPts val="0"/>
+              </a:spcAft>
+              <a:buNone/>
+            </a:pPr>
+            <a:r>
+              <a:t/>
+            </a:r>
+            <a:endParaRPr/>
+          </a:p>
+        </p:txBody>
+      </p:sp>
+      <p:sp>
+        <p:nvSpPr>
+          <p:cNvPr id="240" name="Google Shape;240;p38"/>
+          <p:cNvSpPr txBox="1"/>
+          <p:nvPr>
+            <p:ph idx="1" type="body"/>
+          </p:nvPr>
+        </p:nvSpPr>
+        <p:spPr>
+          <a:xfrm>
+            <a:off x="311700" y="1152475"/>
+            <a:ext cx="8520600" cy="3416400"/>
+          </a:xfrm>
+          <a:prstGeom prst="rect">
+            <a:avLst/>
+          </a:prstGeom>
+        </p:spPr>
+        <p:txBody>
+          <a:bodyPr anchorCtr="0" anchor="t" bIns="91425" lIns="91425" spcFirstLastPara="1" rIns="91425" wrap="square" tIns="91425">
+            <a:normAutofit/>
+          </a:bodyPr>
+          <a:lstStyle/>
+          <a:p>
+            <a:pPr indent="0" lvl="0" marL="0" rtl="0" algn="l">
+              <a:spcBef>
+                <a:spcPts val="0"/>
+              </a:spcBef>
+              <a:spcAft>
+                <a:spcPts val="1200"/>
+              </a:spcAft>
+              <a:buNone/>
+            </a:pPr>
+            <a:r>
+              <a:t/>
+            </a:r>
+            <a:endParaRPr/>
+          </a:p>
+        </p:txBody>
+      </p:sp>
+    </p:spTree>
+  </p:cSld>
+  <p:clrMapOvr>
+    <a:masterClrMapping/>
+  </p:clrMapOvr>
+</p:sld>
+</file>
+
+<file path=ppt/slides/slide27.xml><?xml version="1.0" encoding="utf-8"?>
+<p:sld xmlns:a="http://schemas.openxmlformats.org/drawingml/2006/main" xmlns:r="http://schemas.openxmlformats.org/officeDocument/2006/relationships" xmlns:mc="http://schemas.openxmlformats.org/markup-compatibility/2006" xmlns:mv="urn:schemas-microsoft-com:mac:vml" xmlns:p="http://schemas.openxmlformats.org/presentationml/2006/main" xmlns:c="http://schemas.openxmlformats.org/drawingml/2006/chart" xmlns:dgm="http://schemas.openxmlformats.org/drawingml/2006/diagram" xmlns:o="urn:schemas-microsoft-com:office:office" xmlns:v="urn:schemas-microsoft-com:vml" xmlns:pvml="urn:schemas-microsoft-com:office:powerpoint" xmlns:com="http://schemas.openxmlformats.org/drawingml/2006/compatibility" xmlns:p14="http://schemas.microsoft.com/office/powerpoint/2010/main" xmlns:p15="http://schemas.microsoft.com/office/powerpoint/2012/main" xmlns:ahyp="http://schemas.microsoft.com/office/drawing/2018/hyperlinkcolor">
+  <p:cSld>
+    <p:spTree>
+      <p:nvGrpSpPr>
+        <p:cNvPr id="244" name="Shape 244"/>
+        <p:cNvGrpSpPr/>
+        <p:nvPr/>
+      </p:nvGrpSpPr>
+      <p:grpSpPr>
+        <a:xfrm>
+          <a:off x="0" y="0"/>
+          <a:ext cx="0" cy="0"/>
+          <a:chOff x="0" y="0"/>
+          <a:chExt cx="0" cy="0"/>
+        </a:xfrm>
+      </p:grpSpPr>
+      <p:sp>
+        <p:nvSpPr>
+          <p:cNvPr id="245" name="Google Shape;245;p39"/>
           <p:cNvSpPr txBox="1"/>
           <p:nvPr>
             <p:ph type="title"/>
@@ -12766,7 +12977,7 @@
             </a:pPr>
             <a:r>
               <a:rPr lang="ko"/>
-              <a:t>이러한 세 과정을 통해서 현 코로나 상황에 따른 여행사업 현황을 짐작한다.</a:t>
+              <a:t>이러한 세 과정을 통해서 현 코로나 상황에 따른 여행사업 현황을 어림잡아 짐작한다.</a:t>
             </a:r>
             <a:endParaRPr/>
           </a:p>
